--- a/3DLv2_2023_vs2019_Game/Plan/ゲーム制作Ⅱ.pptx
+++ b/3DLv2_2023_vs2019_Game/Plan/ゲーム制作Ⅱ.pptx
@@ -4,6 +4,9 @@
   <p:sldMasterIdLst>
     <p:sldMasterId id="2147483648" r:id="rId1"/>
   </p:sldMasterIdLst>
+  <p:notesMasterIdLst>
+    <p:notesMasterId r:id="rId9"/>
+  </p:notesMasterIdLst>
   <p:sldIdLst>
     <p:sldId id="256" r:id="rId2"/>
     <p:sldId id="257" r:id="rId3"/>
@@ -116,6 +119,399 @@
     </p:ext>
   </p:extLst>
 </p:presentation>
+</file>
+
+<file path=ppt/commentAuthors.xml><?xml version="1.0" encoding="utf-8"?>
+<p:cmAuthorLst xmlns:a="http://schemas.openxmlformats.org/drawingml/2006/main" xmlns:r="http://schemas.openxmlformats.org/officeDocument/2006/relationships" xmlns:p="http://schemas.openxmlformats.org/presentationml/2006/main">
+  <p:cmAuthor id="1" name="齋藤大夢" initials="齋藤大夢" lastIdx="3" clrIdx="0">
+    <p:extLst>
+      <p:ext uri="{19B8F6BF-5375-455C-9EA6-DF929625EA0E}">
+        <p15:presenceInfo xmlns:p15="http://schemas.microsoft.com/office/powerpoint/2012/main" userId="f3f1f040198a74bf" providerId="Windows Live"/>
+      </p:ext>
+    </p:extLst>
+  </p:cmAuthor>
+</p:cmAuthorLst>
+</file>
+
+<file path=ppt/notesMasters/notesMaster1.xml><?xml version="1.0" encoding="utf-8"?>
+<p:notesMaster xmlns:a="http://schemas.openxmlformats.org/drawingml/2006/main" xmlns:r="http://schemas.openxmlformats.org/officeDocument/2006/relationships" xmlns:p="http://schemas.openxmlformats.org/presentationml/2006/main">
+  <p:cSld>
+    <p:bg>
+      <p:bgRef idx="1001">
+        <a:schemeClr val="bg1"/>
+      </p:bgRef>
+    </p:bg>
+    <p:spTree>
+      <p:nvGrpSpPr>
+        <p:cNvPr id="1" name=""/>
+        <p:cNvGrpSpPr/>
+        <p:nvPr/>
+      </p:nvGrpSpPr>
+      <p:grpSpPr>
+        <a:xfrm>
+          <a:off x="0" y="0"/>
+          <a:ext cx="0" cy="0"/>
+          <a:chOff x="0" y="0"/>
+          <a:chExt cx="0" cy="0"/>
+        </a:xfrm>
+      </p:grpSpPr>
+      <p:sp>
+        <p:nvSpPr>
+          <p:cNvPr id="2" name="ヘッダー プレースホルダー 1"/>
+          <p:cNvSpPr>
+            <a:spLocks noGrp="1"/>
+          </p:cNvSpPr>
+          <p:nvPr>
+            <p:ph type="hdr" sz="quarter"/>
+          </p:nvPr>
+        </p:nvSpPr>
+        <p:spPr>
+          <a:xfrm>
+            <a:off x="0" y="0"/>
+            <a:ext cx="2971800" cy="458788"/>
+          </a:xfrm>
+          <a:prstGeom prst="rect">
+            <a:avLst/>
+          </a:prstGeom>
+        </p:spPr>
+        <p:txBody>
+          <a:bodyPr vert="horz" lIns="91440" tIns="45720" rIns="91440" bIns="45720" rtlCol="0"/>
+          <a:lstStyle>
+            <a:lvl1pPr algn="l">
+              <a:defRPr sz="1200"/>
+            </a:lvl1pPr>
+          </a:lstStyle>
+          <a:p>
+            <a:endParaRPr kumimoji="1" lang="ja-JP" altLang="en-US"/>
+          </a:p>
+        </p:txBody>
+      </p:sp>
+      <p:sp>
+        <p:nvSpPr>
+          <p:cNvPr id="3" name="日付プレースホルダー 2"/>
+          <p:cNvSpPr>
+            <a:spLocks noGrp="1"/>
+          </p:cNvSpPr>
+          <p:nvPr>
+            <p:ph type="dt" idx="1"/>
+          </p:nvPr>
+        </p:nvSpPr>
+        <p:spPr>
+          <a:xfrm>
+            <a:off x="3884613" y="0"/>
+            <a:ext cx="2971800" cy="458788"/>
+          </a:xfrm>
+          <a:prstGeom prst="rect">
+            <a:avLst/>
+          </a:prstGeom>
+        </p:spPr>
+        <p:txBody>
+          <a:bodyPr vert="horz" lIns="91440" tIns="45720" rIns="91440" bIns="45720" rtlCol="0"/>
+          <a:lstStyle>
+            <a:lvl1pPr algn="r">
+              <a:defRPr sz="1200"/>
+            </a:lvl1pPr>
+          </a:lstStyle>
+          <a:p>
+            <a:fld id="{319C14DC-9D23-46B0-9D27-DF0B6E0AE3DA}" type="datetimeFigureOut">
+              <a:rPr kumimoji="1" lang="ja-JP" altLang="en-US" smtClean="0"/>
+              <a:t>2023/4/12</a:t>
+            </a:fld>
+            <a:endParaRPr kumimoji="1" lang="ja-JP" altLang="en-US"/>
+          </a:p>
+        </p:txBody>
+      </p:sp>
+      <p:sp>
+        <p:nvSpPr>
+          <p:cNvPr id="4" name="スライド イメージ プレースホルダー 3"/>
+          <p:cNvSpPr>
+            <a:spLocks noGrp="1" noRot="1" noChangeAspect="1"/>
+          </p:cNvSpPr>
+          <p:nvPr>
+            <p:ph type="sldImg" idx="2"/>
+          </p:nvPr>
+        </p:nvSpPr>
+        <p:spPr>
+          <a:xfrm>
+            <a:off x="685800" y="1143000"/>
+            <a:ext cx="5486400" cy="3086100"/>
+          </a:xfrm>
+          <a:prstGeom prst="rect">
+            <a:avLst/>
+          </a:prstGeom>
+          <a:noFill/>
+          <a:ln w="12700">
+            <a:solidFill>
+              <a:prstClr val="black"/>
+            </a:solidFill>
+          </a:ln>
+        </p:spPr>
+        <p:txBody>
+          <a:bodyPr vert="horz" lIns="91440" tIns="45720" rIns="91440" bIns="45720" rtlCol="0" anchor="ctr"/>
+          <a:lstStyle/>
+          <a:p>
+            <a:endParaRPr lang="ja-JP" altLang="en-US"/>
+          </a:p>
+        </p:txBody>
+      </p:sp>
+      <p:sp>
+        <p:nvSpPr>
+          <p:cNvPr id="5" name="ノート プレースホルダー 4"/>
+          <p:cNvSpPr>
+            <a:spLocks noGrp="1"/>
+          </p:cNvSpPr>
+          <p:nvPr>
+            <p:ph type="body" sz="quarter" idx="3"/>
+          </p:nvPr>
+        </p:nvSpPr>
+        <p:spPr>
+          <a:xfrm>
+            <a:off x="685800" y="4400550"/>
+            <a:ext cx="5486400" cy="3600450"/>
+          </a:xfrm>
+          <a:prstGeom prst="rect">
+            <a:avLst/>
+          </a:prstGeom>
+        </p:spPr>
+        <p:txBody>
+          <a:bodyPr vert="horz" lIns="91440" tIns="45720" rIns="91440" bIns="45720" rtlCol="0"/>
+          <a:lstStyle/>
+          <a:p>
+            <a:pPr lvl="0"/>
+            <a:r>
+              <a:rPr kumimoji="1" lang="ja-JP" altLang="en-US"/>
+              <a:t>マスター テキストの書式設定</a:t>
+            </a:r>
+          </a:p>
+          <a:p>
+            <a:pPr lvl="1"/>
+            <a:r>
+              <a:rPr kumimoji="1" lang="ja-JP" altLang="en-US"/>
+              <a:t>第 </a:t>
+            </a:r>
+            <a:r>
+              <a:rPr kumimoji="1" lang="en-US" altLang="ja-JP"/>
+              <a:t>2 </a:t>
+            </a:r>
+            <a:r>
+              <a:rPr kumimoji="1" lang="ja-JP" altLang="en-US"/>
+              <a:t>レベル</a:t>
+            </a:r>
+          </a:p>
+          <a:p>
+            <a:pPr lvl="2"/>
+            <a:r>
+              <a:rPr kumimoji="1" lang="ja-JP" altLang="en-US"/>
+              <a:t>第 </a:t>
+            </a:r>
+            <a:r>
+              <a:rPr kumimoji="1" lang="en-US" altLang="ja-JP"/>
+              <a:t>3 </a:t>
+            </a:r>
+            <a:r>
+              <a:rPr kumimoji="1" lang="ja-JP" altLang="en-US"/>
+              <a:t>レベル</a:t>
+            </a:r>
+          </a:p>
+          <a:p>
+            <a:pPr lvl="3"/>
+            <a:r>
+              <a:rPr kumimoji="1" lang="ja-JP" altLang="en-US"/>
+              <a:t>第 </a:t>
+            </a:r>
+            <a:r>
+              <a:rPr kumimoji="1" lang="en-US" altLang="ja-JP"/>
+              <a:t>4 </a:t>
+            </a:r>
+            <a:r>
+              <a:rPr kumimoji="1" lang="ja-JP" altLang="en-US"/>
+              <a:t>レベル</a:t>
+            </a:r>
+          </a:p>
+          <a:p>
+            <a:pPr lvl="4"/>
+            <a:r>
+              <a:rPr kumimoji="1" lang="ja-JP" altLang="en-US"/>
+              <a:t>第 </a:t>
+            </a:r>
+            <a:r>
+              <a:rPr kumimoji="1" lang="en-US" altLang="ja-JP"/>
+              <a:t>5 </a:t>
+            </a:r>
+            <a:r>
+              <a:rPr kumimoji="1" lang="ja-JP" altLang="en-US"/>
+              <a:t>レベル</a:t>
+            </a:r>
+          </a:p>
+        </p:txBody>
+      </p:sp>
+      <p:sp>
+        <p:nvSpPr>
+          <p:cNvPr id="6" name="フッター プレースホルダー 5"/>
+          <p:cNvSpPr>
+            <a:spLocks noGrp="1"/>
+          </p:cNvSpPr>
+          <p:nvPr>
+            <p:ph type="ftr" sz="quarter" idx="4"/>
+          </p:nvPr>
+        </p:nvSpPr>
+        <p:spPr>
+          <a:xfrm>
+            <a:off x="0" y="8685213"/>
+            <a:ext cx="2971800" cy="458787"/>
+          </a:xfrm>
+          <a:prstGeom prst="rect">
+            <a:avLst/>
+          </a:prstGeom>
+        </p:spPr>
+        <p:txBody>
+          <a:bodyPr vert="horz" lIns="91440" tIns="45720" rIns="91440" bIns="45720" rtlCol="0" anchor="b"/>
+          <a:lstStyle>
+            <a:lvl1pPr algn="l">
+              <a:defRPr sz="1200"/>
+            </a:lvl1pPr>
+          </a:lstStyle>
+          <a:p>
+            <a:endParaRPr kumimoji="1" lang="ja-JP" altLang="en-US"/>
+          </a:p>
+        </p:txBody>
+      </p:sp>
+      <p:sp>
+        <p:nvSpPr>
+          <p:cNvPr id="7" name="スライド番号プレースホルダー 6"/>
+          <p:cNvSpPr>
+            <a:spLocks noGrp="1"/>
+          </p:cNvSpPr>
+          <p:nvPr>
+            <p:ph type="sldNum" sz="quarter" idx="5"/>
+          </p:nvPr>
+        </p:nvSpPr>
+        <p:spPr>
+          <a:xfrm>
+            <a:off x="3884613" y="8685213"/>
+            <a:ext cx="2971800" cy="458787"/>
+          </a:xfrm>
+          <a:prstGeom prst="rect">
+            <a:avLst/>
+          </a:prstGeom>
+        </p:spPr>
+        <p:txBody>
+          <a:bodyPr vert="horz" lIns="91440" tIns="45720" rIns="91440" bIns="45720" rtlCol="0" anchor="b"/>
+          <a:lstStyle>
+            <a:lvl1pPr algn="r">
+              <a:defRPr sz="1200"/>
+            </a:lvl1pPr>
+          </a:lstStyle>
+          <a:p>
+            <a:fld id="{A412384E-8C28-41CB-81F7-A80D6D8F5012}" type="slidenum">
+              <a:rPr kumimoji="1" lang="ja-JP" altLang="en-US" smtClean="0"/>
+              <a:t>‹#›</a:t>
+            </a:fld>
+            <a:endParaRPr kumimoji="1" lang="ja-JP" altLang="en-US"/>
+          </a:p>
+        </p:txBody>
+      </p:sp>
+    </p:spTree>
+    <p:extLst>
+      <p:ext uri="{BB962C8B-B14F-4D97-AF65-F5344CB8AC3E}">
+        <p14:creationId xmlns:p14="http://schemas.microsoft.com/office/powerpoint/2010/main" val="1594486361"/>
+      </p:ext>
+    </p:extLst>
+  </p:cSld>
+  <p:clrMap bg1="lt1" tx1="dk1" bg2="lt2" tx2="dk2" accent1="accent1" accent2="accent2" accent3="accent3" accent4="accent4" accent5="accent5" accent6="accent6" hlink="hlink" folHlink="folHlink"/>
+  <p:notesStyle>
+    <a:lvl1pPr marL="0" algn="l" defTabSz="914400" rtl="0" eaLnBrk="1" latinLnBrk="0" hangingPunct="1">
+      <a:defRPr kumimoji="1" sz="1200" kern="1200">
+        <a:solidFill>
+          <a:schemeClr val="tx1"/>
+        </a:solidFill>
+        <a:latin typeface="+mn-lt"/>
+        <a:ea typeface="+mn-ea"/>
+        <a:cs typeface="+mn-cs"/>
+      </a:defRPr>
+    </a:lvl1pPr>
+    <a:lvl2pPr marL="457200" algn="l" defTabSz="914400" rtl="0" eaLnBrk="1" latinLnBrk="0" hangingPunct="1">
+      <a:defRPr kumimoji="1" sz="1200" kern="1200">
+        <a:solidFill>
+          <a:schemeClr val="tx1"/>
+        </a:solidFill>
+        <a:latin typeface="+mn-lt"/>
+        <a:ea typeface="+mn-ea"/>
+        <a:cs typeface="+mn-cs"/>
+      </a:defRPr>
+    </a:lvl2pPr>
+    <a:lvl3pPr marL="914400" algn="l" defTabSz="914400" rtl="0" eaLnBrk="1" latinLnBrk="0" hangingPunct="1">
+      <a:defRPr kumimoji="1" sz="1200" kern="1200">
+        <a:solidFill>
+          <a:schemeClr val="tx1"/>
+        </a:solidFill>
+        <a:latin typeface="+mn-lt"/>
+        <a:ea typeface="+mn-ea"/>
+        <a:cs typeface="+mn-cs"/>
+      </a:defRPr>
+    </a:lvl3pPr>
+    <a:lvl4pPr marL="1371600" algn="l" defTabSz="914400" rtl="0" eaLnBrk="1" latinLnBrk="0" hangingPunct="1">
+      <a:defRPr kumimoji="1" sz="1200" kern="1200">
+        <a:solidFill>
+          <a:schemeClr val="tx1"/>
+        </a:solidFill>
+        <a:latin typeface="+mn-lt"/>
+        <a:ea typeface="+mn-ea"/>
+        <a:cs typeface="+mn-cs"/>
+      </a:defRPr>
+    </a:lvl4pPr>
+    <a:lvl5pPr marL="1828800" algn="l" defTabSz="914400" rtl="0" eaLnBrk="1" latinLnBrk="0" hangingPunct="1">
+      <a:defRPr kumimoji="1" sz="1200" kern="1200">
+        <a:solidFill>
+          <a:schemeClr val="tx1"/>
+        </a:solidFill>
+        <a:latin typeface="+mn-lt"/>
+        <a:ea typeface="+mn-ea"/>
+        <a:cs typeface="+mn-cs"/>
+      </a:defRPr>
+    </a:lvl5pPr>
+    <a:lvl6pPr marL="2286000" algn="l" defTabSz="914400" rtl="0" eaLnBrk="1" latinLnBrk="0" hangingPunct="1">
+      <a:defRPr kumimoji="1" sz="1200" kern="1200">
+        <a:solidFill>
+          <a:schemeClr val="tx1"/>
+        </a:solidFill>
+        <a:latin typeface="+mn-lt"/>
+        <a:ea typeface="+mn-ea"/>
+        <a:cs typeface="+mn-cs"/>
+      </a:defRPr>
+    </a:lvl6pPr>
+    <a:lvl7pPr marL="2743200" algn="l" defTabSz="914400" rtl="0" eaLnBrk="1" latinLnBrk="0" hangingPunct="1">
+      <a:defRPr kumimoji="1" sz="1200" kern="1200">
+        <a:solidFill>
+          <a:schemeClr val="tx1"/>
+        </a:solidFill>
+        <a:latin typeface="+mn-lt"/>
+        <a:ea typeface="+mn-ea"/>
+        <a:cs typeface="+mn-cs"/>
+      </a:defRPr>
+    </a:lvl7pPr>
+    <a:lvl8pPr marL="3200400" algn="l" defTabSz="914400" rtl="0" eaLnBrk="1" latinLnBrk="0" hangingPunct="1">
+      <a:defRPr kumimoji="1" sz="1200" kern="1200">
+        <a:solidFill>
+          <a:schemeClr val="tx1"/>
+        </a:solidFill>
+        <a:latin typeface="+mn-lt"/>
+        <a:ea typeface="+mn-ea"/>
+        <a:cs typeface="+mn-cs"/>
+      </a:defRPr>
+    </a:lvl8pPr>
+    <a:lvl9pPr marL="3657600" algn="l" defTabSz="914400" rtl="0" eaLnBrk="1" latinLnBrk="0" hangingPunct="1">
+      <a:defRPr kumimoji="1" sz="1200" kern="1200">
+        <a:solidFill>
+          <a:schemeClr val="tx1"/>
+        </a:solidFill>
+        <a:latin typeface="+mn-lt"/>
+        <a:ea typeface="+mn-ea"/>
+        <a:cs typeface="+mn-cs"/>
+      </a:defRPr>
+    </a:lvl9pPr>
+  </p:notesStyle>
+</p:notesMaster>
 </file>
 
 <file path=ppt/slideLayouts/slideLayout1.xml><?xml version="1.0" encoding="utf-8"?>
@@ -3652,27 +4048,6 @@
                 <a:ea typeface="+mn-ea"/>
               </a:rPr>
               <a:t>雪合戦</a:t>
-            </a:r>
-            <a:r>
-              <a:rPr lang="en-US" altLang="ja-JP" b="1" dirty="0">
-                <a:latin typeface="+mn-ea"/>
-                <a:ea typeface="+mn-ea"/>
-              </a:rPr>
-              <a:t>(</a:t>
-            </a:r>
-            <a:r>
-              <a:rPr lang="ja-JP" altLang="en-US" b="1" dirty="0">
-                <a:latin typeface="+mn-ea"/>
-                <a:ea typeface="+mn-ea"/>
-              </a:rPr>
-              <a:t>仮</a:t>
-            </a:r>
-            <a:r>
-              <a:rPr lang="en-US" altLang="ja-JP" b="1" dirty="0">
-                <a:latin typeface="+mn-ea"/>
-                <a:ea typeface="+mn-ea"/>
-              </a:rPr>
-              <a:t>)</a:t>
             </a:r>
             <a:endParaRPr kumimoji="1" lang="ja-JP" altLang="en-US" b="1" dirty="0">
               <a:latin typeface="+mn-ea"/>
@@ -4432,31 +4807,697 @@
           </a:p>
         </p:txBody>
       </p:sp>
-      <p:sp>
-        <p:nvSpPr>
-          <p:cNvPr id="3" name="コンテンツ プレースホルダー 2">
-            <a:extLst>
-              <a:ext uri="{FF2B5EF4-FFF2-40B4-BE49-F238E27FC236}">
-                <a16:creationId xmlns:a16="http://schemas.microsoft.com/office/drawing/2014/main" id="{2ECB8FB0-9CE6-46E6-B9CD-561C01D5B833}"/>
-              </a:ext>
-            </a:extLst>
-          </p:cNvPr>
-          <p:cNvSpPr>
-            <a:spLocks noGrp="1"/>
-          </p:cNvSpPr>
-          <p:nvPr>
-            <p:ph idx="1"/>
-          </p:nvPr>
-        </p:nvSpPr>
-        <p:spPr/>
-        <p:txBody>
-          <a:bodyPr/>
-          <a:lstStyle/>
-          <a:p>
-            <a:pPr marL="0" indent="0">
-              <a:buNone/>
-            </a:pPr>
-            <a:endParaRPr kumimoji="1" lang="ja-JP" altLang="en-US" dirty="0"/>
+      <p:pic>
+        <p:nvPicPr>
+          <p:cNvPr id="9" name="図 8">
+            <a:extLst>
+              <a:ext uri="{FF2B5EF4-FFF2-40B4-BE49-F238E27FC236}">
+                <a16:creationId xmlns:a16="http://schemas.microsoft.com/office/drawing/2014/main" id="{70E4721A-ADB3-497F-8BCB-D167513C4229}"/>
+              </a:ext>
+            </a:extLst>
+          </p:cNvPr>
+          <p:cNvPicPr>
+            <a:picLocks noChangeAspect="1"/>
+          </p:cNvPicPr>
+          <p:nvPr/>
+        </p:nvPicPr>
+        <p:blipFill>
+          <a:blip r:embed="rId2">
+            <a:extLst>
+              <a:ext uri="{28A0092B-C50C-407E-A947-70E740481C1C}">
+                <a14:useLocalDpi xmlns:a14="http://schemas.microsoft.com/office/drawing/2010/main" val="0"/>
+              </a:ext>
+            </a:extLst>
+          </a:blip>
+          <a:stretch>
+            <a:fillRect/>
+          </a:stretch>
+        </p:blipFill>
+        <p:spPr>
+          <a:xfrm>
+            <a:off x="8668603" y="2031346"/>
+            <a:ext cx="2034720" cy="3580153"/>
+          </a:xfrm>
+          <a:prstGeom prst="rect">
+            <a:avLst/>
+          </a:prstGeom>
+        </p:spPr>
+      </p:pic>
+      <p:pic>
+        <p:nvPicPr>
+          <p:cNvPr id="13" name="図 12">
+            <a:extLst>
+              <a:ext uri="{FF2B5EF4-FFF2-40B4-BE49-F238E27FC236}">
+                <a16:creationId xmlns:a16="http://schemas.microsoft.com/office/drawing/2014/main" id="{F6E0A654-42CC-4C9D-883C-C7852EC77149}"/>
+              </a:ext>
+            </a:extLst>
+          </p:cNvPr>
+          <p:cNvPicPr>
+            <a:picLocks noChangeAspect="1"/>
+          </p:cNvPicPr>
+          <p:nvPr/>
+        </p:nvPicPr>
+        <p:blipFill>
+          <a:blip r:embed="rId2">
+            <a:extLst>
+              <a:ext uri="{28A0092B-C50C-407E-A947-70E740481C1C}">
+                <a14:useLocalDpi xmlns:a14="http://schemas.microsoft.com/office/drawing/2010/main" val="0"/>
+              </a:ext>
+            </a:extLst>
+          </a:blip>
+          <a:stretch>
+            <a:fillRect/>
+          </a:stretch>
+        </p:blipFill>
+        <p:spPr>
+          <a:xfrm>
+            <a:off x="7651245" y="2756641"/>
+            <a:ext cx="2034720" cy="3580153"/>
+          </a:xfrm>
+          <a:prstGeom prst="rect">
+            <a:avLst/>
+          </a:prstGeom>
+        </p:spPr>
+      </p:pic>
+      <p:pic>
+        <p:nvPicPr>
+          <p:cNvPr id="15" name="図 14">
+            <a:extLst>
+              <a:ext uri="{FF2B5EF4-FFF2-40B4-BE49-F238E27FC236}">
+                <a16:creationId xmlns:a16="http://schemas.microsoft.com/office/drawing/2014/main" id="{56678DF2-8E81-43AC-A690-8E5B27760EB8}"/>
+              </a:ext>
+            </a:extLst>
+          </p:cNvPr>
+          <p:cNvPicPr>
+            <a:picLocks noChangeAspect="1"/>
+          </p:cNvPicPr>
+          <p:nvPr/>
+        </p:nvPicPr>
+        <p:blipFill>
+          <a:blip r:embed="rId2">
+            <a:extLst>
+              <a:ext uri="{28A0092B-C50C-407E-A947-70E740481C1C}">
+                <a14:useLocalDpi xmlns:a14="http://schemas.microsoft.com/office/drawing/2010/main" val="0"/>
+              </a:ext>
+            </a:extLst>
+          </a:blip>
+          <a:stretch>
+            <a:fillRect/>
+          </a:stretch>
+        </p:blipFill>
+        <p:spPr>
+          <a:xfrm flipH="1">
+            <a:off x="664394" y="1852053"/>
+            <a:ext cx="2034720" cy="3580153"/>
+          </a:xfrm>
+          <a:prstGeom prst="rect">
+            <a:avLst/>
+          </a:prstGeom>
+        </p:spPr>
+      </p:pic>
+      <p:pic>
+        <p:nvPicPr>
+          <p:cNvPr id="16" name="図 15">
+            <a:extLst>
+              <a:ext uri="{FF2B5EF4-FFF2-40B4-BE49-F238E27FC236}">
+                <a16:creationId xmlns:a16="http://schemas.microsoft.com/office/drawing/2014/main" id="{A58F06F7-9D63-4282-A2F7-794362CB4F85}"/>
+              </a:ext>
+            </a:extLst>
+          </p:cNvPr>
+          <p:cNvPicPr>
+            <a:picLocks noChangeAspect="1"/>
+          </p:cNvPicPr>
+          <p:nvPr/>
+        </p:nvPicPr>
+        <p:blipFill>
+          <a:blip r:embed="rId2">
+            <a:extLst>
+              <a:ext uri="{28A0092B-C50C-407E-A947-70E740481C1C}">
+                <a14:useLocalDpi xmlns:a14="http://schemas.microsoft.com/office/drawing/2010/main" val="0"/>
+              </a:ext>
+            </a:extLst>
+          </a:blip>
+          <a:stretch>
+            <a:fillRect/>
+          </a:stretch>
+        </p:blipFill>
+        <p:spPr>
+          <a:xfrm flipH="1">
+            <a:off x="1488677" y="2686176"/>
+            <a:ext cx="2034720" cy="3580153"/>
+          </a:xfrm>
+          <a:prstGeom prst="rect">
+            <a:avLst/>
+          </a:prstGeom>
+        </p:spPr>
+      </p:pic>
+      <p:pic>
+        <p:nvPicPr>
+          <p:cNvPr id="14" name="図 13">
+            <a:extLst>
+              <a:ext uri="{FF2B5EF4-FFF2-40B4-BE49-F238E27FC236}">
+                <a16:creationId xmlns:a16="http://schemas.microsoft.com/office/drawing/2014/main" id="{4F18BFBA-38D6-495D-9DF6-D4AADE87A1DF}"/>
+              </a:ext>
+            </a:extLst>
+          </p:cNvPr>
+          <p:cNvPicPr>
+            <a:picLocks noChangeAspect="1"/>
+          </p:cNvPicPr>
+          <p:nvPr/>
+        </p:nvPicPr>
+        <p:blipFill>
+          <a:blip r:embed="rId2">
+            <a:extLst>
+              <a:ext uri="{28A0092B-C50C-407E-A947-70E740481C1C}">
+                <a14:useLocalDpi xmlns:a14="http://schemas.microsoft.com/office/drawing/2010/main" val="0"/>
+              </a:ext>
+            </a:extLst>
+          </a:blip>
+          <a:stretch>
+            <a:fillRect/>
+          </a:stretch>
+        </p:blipFill>
+        <p:spPr>
+          <a:xfrm flipH="1">
+            <a:off x="-75060" y="3142123"/>
+            <a:ext cx="2034720" cy="3580153"/>
+          </a:xfrm>
+          <a:prstGeom prst="rect">
+            <a:avLst/>
+          </a:prstGeom>
+        </p:spPr>
+      </p:pic>
+      <p:pic>
+        <p:nvPicPr>
+          <p:cNvPr id="12" name="図 11">
+            <a:extLst>
+              <a:ext uri="{FF2B5EF4-FFF2-40B4-BE49-F238E27FC236}">
+                <a16:creationId xmlns:a16="http://schemas.microsoft.com/office/drawing/2014/main" id="{D392E99F-D540-40F2-B78D-3A1ECBFDCBAB}"/>
+              </a:ext>
+            </a:extLst>
+          </p:cNvPr>
+          <p:cNvPicPr>
+            <a:picLocks noChangeAspect="1"/>
+          </p:cNvPicPr>
+          <p:nvPr/>
+        </p:nvPicPr>
+        <p:blipFill>
+          <a:blip r:embed="rId2">
+            <a:extLst>
+              <a:ext uri="{28A0092B-C50C-407E-A947-70E740481C1C}">
+                <a14:useLocalDpi xmlns:a14="http://schemas.microsoft.com/office/drawing/2010/main" val="0"/>
+              </a:ext>
+            </a:extLst>
+          </a:blip>
+          <a:stretch>
+            <a:fillRect/>
+          </a:stretch>
+        </p:blipFill>
+        <p:spPr>
+          <a:xfrm>
+            <a:off x="9086132" y="3277847"/>
+            <a:ext cx="2034720" cy="3580153"/>
+          </a:xfrm>
+          <a:prstGeom prst="rect">
+            <a:avLst/>
+          </a:prstGeom>
+        </p:spPr>
+      </p:pic>
+      <p:sp>
+        <p:nvSpPr>
+          <p:cNvPr id="19" name="テキスト ボックス 18">
+            <a:extLst>
+              <a:ext uri="{FF2B5EF4-FFF2-40B4-BE49-F238E27FC236}">
+                <a16:creationId xmlns:a16="http://schemas.microsoft.com/office/drawing/2014/main" id="{9C62EB34-F935-4583-81D8-E9A7A119D413}"/>
+              </a:ext>
+            </a:extLst>
+          </p:cNvPr>
+          <p:cNvSpPr txBox="1"/>
+          <p:nvPr/>
+        </p:nvSpPr>
+        <p:spPr>
+          <a:xfrm>
+            <a:off x="3288786" y="1690688"/>
+            <a:ext cx="4805808" cy="707886"/>
+          </a:xfrm>
+          <a:prstGeom prst="rect">
+            <a:avLst/>
+          </a:prstGeom>
+          <a:noFill/>
+        </p:spPr>
+        <p:txBody>
+          <a:bodyPr wrap="square" rtlCol="0">
+            <a:spAutoFit/>
+          </a:bodyPr>
+          <a:lstStyle/>
+          <a:p>
+            <a:r>
+              <a:rPr lang="ja-JP" altLang="en-US" sz="4000" b="1" dirty="0"/>
+              <a:t>３対３のチーム戦</a:t>
+            </a:r>
+            <a:endParaRPr kumimoji="1" lang="ja-JP" altLang="en-US" sz="4000" b="1" dirty="0"/>
+          </a:p>
+        </p:txBody>
+      </p:sp>
+      <p:pic>
+        <p:nvPicPr>
+          <p:cNvPr id="26" name="図 25">
+            <a:extLst>
+              <a:ext uri="{FF2B5EF4-FFF2-40B4-BE49-F238E27FC236}">
+                <a16:creationId xmlns:a16="http://schemas.microsoft.com/office/drawing/2014/main" id="{12B09C23-7AC2-48EA-9902-012B01C0F065}"/>
+              </a:ext>
+            </a:extLst>
+          </p:cNvPr>
+          <p:cNvPicPr>
+            <a:picLocks noChangeAspect="1"/>
+          </p:cNvPicPr>
+          <p:nvPr/>
+        </p:nvPicPr>
+        <p:blipFill>
+          <a:blip r:embed="rId3">
+            <a:extLst>
+              <a:ext uri="{28A0092B-C50C-407E-A947-70E740481C1C}">
+                <a14:useLocalDpi xmlns:a14="http://schemas.microsoft.com/office/drawing/2010/main" val="0"/>
+              </a:ext>
+            </a:extLst>
+          </a:blip>
+          <a:stretch>
+            <a:fillRect/>
+          </a:stretch>
+        </p:blipFill>
+        <p:spPr>
+          <a:xfrm>
+            <a:off x="2524923" y="2295793"/>
+            <a:ext cx="748200" cy="921695"/>
+          </a:xfrm>
+          <a:prstGeom prst="rect">
+            <a:avLst/>
+          </a:prstGeom>
+        </p:spPr>
+      </p:pic>
+      <p:pic>
+        <p:nvPicPr>
+          <p:cNvPr id="27" name="図 26">
+            <a:extLst>
+              <a:ext uri="{FF2B5EF4-FFF2-40B4-BE49-F238E27FC236}">
+                <a16:creationId xmlns:a16="http://schemas.microsoft.com/office/drawing/2014/main" id="{2DFBD918-78A5-4EE9-A991-99970FB7A486}"/>
+              </a:ext>
+            </a:extLst>
+          </p:cNvPr>
+          <p:cNvPicPr>
+            <a:picLocks noChangeAspect="1"/>
+          </p:cNvPicPr>
+          <p:nvPr/>
+        </p:nvPicPr>
+        <p:blipFill>
+          <a:blip r:embed="rId3">
+            <a:extLst>
+              <a:ext uri="{28A0092B-C50C-407E-A947-70E740481C1C}">
+                <a14:useLocalDpi xmlns:a14="http://schemas.microsoft.com/office/drawing/2010/main" val="0"/>
+              </a:ext>
+            </a:extLst>
+          </a:blip>
+          <a:stretch>
+            <a:fillRect/>
+          </a:stretch>
+        </p:blipFill>
+        <p:spPr>
+          <a:xfrm>
+            <a:off x="5885687" y="3821422"/>
+            <a:ext cx="748200" cy="921695"/>
+          </a:xfrm>
+          <a:prstGeom prst="rect">
+            <a:avLst/>
+          </a:prstGeom>
+        </p:spPr>
+      </p:pic>
+      <p:pic>
+        <p:nvPicPr>
+          <p:cNvPr id="28" name="図 27">
+            <a:extLst>
+              <a:ext uri="{FF2B5EF4-FFF2-40B4-BE49-F238E27FC236}">
+                <a16:creationId xmlns:a16="http://schemas.microsoft.com/office/drawing/2014/main" id="{40939EA7-D1DE-405E-AF0B-983D1A6A723E}"/>
+              </a:ext>
+            </a:extLst>
+          </p:cNvPr>
+          <p:cNvPicPr>
+            <a:picLocks noChangeAspect="1"/>
+          </p:cNvPicPr>
+          <p:nvPr/>
+        </p:nvPicPr>
+        <p:blipFill>
+          <a:blip r:embed="rId3">
+            <a:extLst>
+              <a:ext uri="{28A0092B-C50C-407E-A947-70E740481C1C}">
+                <a14:useLocalDpi xmlns:a14="http://schemas.microsoft.com/office/drawing/2010/main" val="0"/>
+              </a:ext>
+            </a:extLst>
+          </a:blip>
+          <a:stretch>
+            <a:fillRect/>
+          </a:stretch>
+        </p:blipFill>
+        <p:spPr>
+          <a:xfrm>
+            <a:off x="5477242" y="2632862"/>
+            <a:ext cx="748200" cy="921695"/>
+          </a:xfrm>
+          <a:prstGeom prst="rect">
+            <a:avLst/>
+          </a:prstGeom>
+        </p:spPr>
+      </p:pic>
+      <p:pic>
+        <p:nvPicPr>
+          <p:cNvPr id="29" name="図 28">
+            <a:extLst>
+              <a:ext uri="{FF2B5EF4-FFF2-40B4-BE49-F238E27FC236}">
+                <a16:creationId xmlns:a16="http://schemas.microsoft.com/office/drawing/2014/main" id="{3257B25A-2A20-4291-8504-8995C0B4686F}"/>
+              </a:ext>
+            </a:extLst>
+          </p:cNvPr>
+          <p:cNvPicPr>
+            <a:picLocks noChangeAspect="1"/>
+          </p:cNvPicPr>
+          <p:nvPr/>
+        </p:nvPicPr>
+        <p:blipFill>
+          <a:blip r:embed="rId3">
+            <a:extLst>
+              <a:ext uri="{28A0092B-C50C-407E-A947-70E740481C1C}">
+                <a14:useLocalDpi xmlns:a14="http://schemas.microsoft.com/office/drawing/2010/main" val="0"/>
+              </a:ext>
+            </a:extLst>
+          </a:blip>
+          <a:stretch>
+            <a:fillRect/>
+          </a:stretch>
+        </p:blipFill>
+        <p:spPr>
+          <a:xfrm>
+            <a:off x="8044229" y="2451971"/>
+            <a:ext cx="748200" cy="921695"/>
+          </a:xfrm>
+          <a:prstGeom prst="rect">
+            <a:avLst/>
+          </a:prstGeom>
+        </p:spPr>
+      </p:pic>
+      <p:pic>
+        <p:nvPicPr>
+          <p:cNvPr id="30" name="図 29">
+            <a:extLst>
+              <a:ext uri="{FF2B5EF4-FFF2-40B4-BE49-F238E27FC236}">
+                <a16:creationId xmlns:a16="http://schemas.microsoft.com/office/drawing/2014/main" id="{15DF2C88-C2D1-4F77-B3C1-677AFCCCA3C0}"/>
+              </a:ext>
+            </a:extLst>
+          </p:cNvPr>
+          <p:cNvPicPr>
+            <a:picLocks noChangeAspect="1"/>
+          </p:cNvPicPr>
+          <p:nvPr/>
+        </p:nvPicPr>
+        <p:blipFill>
+          <a:blip r:embed="rId3">
+            <a:extLst>
+              <a:ext uri="{28A0092B-C50C-407E-A947-70E740481C1C}">
+                <a14:useLocalDpi xmlns:a14="http://schemas.microsoft.com/office/drawing/2010/main" val="0"/>
+              </a:ext>
+            </a:extLst>
+          </a:blip>
+          <a:stretch>
+            <a:fillRect/>
+          </a:stretch>
+        </p:blipFill>
+        <p:spPr>
+          <a:xfrm>
+            <a:off x="3378364" y="3554557"/>
+            <a:ext cx="748200" cy="921695"/>
+          </a:xfrm>
+          <a:prstGeom prst="rect">
+            <a:avLst/>
+          </a:prstGeom>
+        </p:spPr>
+      </p:pic>
+      <p:pic>
+        <p:nvPicPr>
+          <p:cNvPr id="31" name="図 30">
+            <a:extLst>
+              <a:ext uri="{FF2B5EF4-FFF2-40B4-BE49-F238E27FC236}">
+                <a16:creationId xmlns:a16="http://schemas.microsoft.com/office/drawing/2014/main" id="{1C3AB10D-6860-43FE-BBD4-24D5CBF348FF}"/>
+              </a:ext>
+            </a:extLst>
+          </p:cNvPr>
+          <p:cNvPicPr>
+            <a:picLocks noChangeAspect="1"/>
+          </p:cNvPicPr>
+          <p:nvPr/>
+        </p:nvPicPr>
+        <p:blipFill>
+          <a:blip r:embed="rId3">
+            <a:extLst>
+              <a:ext uri="{28A0092B-C50C-407E-A947-70E740481C1C}">
+                <a14:useLocalDpi xmlns:a14="http://schemas.microsoft.com/office/drawing/2010/main" val="0"/>
+              </a:ext>
+            </a:extLst>
+          </a:blip>
+          <a:stretch>
+            <a:fillRect/>
+          </a:stretch>
+        </p:blipFill>
+        <p:spPr>
+          <a:xfrm>
+            <a:off x="8466782" y="4146228"/>
+            <a:ext cx="748200" cy="921695"/>
+          </a:xfrm>
+          <a:prstGeom prst="rect">
+            <a:avLst/>
+          </a:prstGeom>
+        </p:spPr>
+      </p:pic>
+      <p:sp>
+        <p:nvSpPr>
+          <p:cNvPr id="34" name="テキスト ボックス 33">
+            <a:extLst>
+              <a:ext uri="{FF2B5EF4-FFF2-40B4-BE49-F238E27FC236}">
+                <a16:creationId xmlns:a16="http://schemas.microsoft.com/office/drawing/2014/main" id="{5CD0073D-7D45-4217-901A-EC85DB04DAAC}"/>
+              </a:ext>
+            </a:extLst>
+          </p:cNvPr>
+          <p:cNvSpPr txBox="1"/>
+          <p:nvPr/>
+        </p:nvSpPr>
+        <p:spPr>
+          <a:xfrm>
+            <a:off x="512898" y="3425765"/>
+            <a:ext cx="1006351" cy="276710"/>
+          </a:xfrm>
+          <a:prstGeom prst="rect">
+            <a:avLst/>
+          </a:prstGeom>
+          <a:noFill/>
+        </p:spPr>
+        <p:txBody>
+          <a:bodyPr wrap="square" rtlCol="0">
+            <a:spAutoFit/>
+          </a:bodyPr>
+          <a:lstStyle/>
+          <a:p>
+            <a:r>
+              <a:rPr lang="ja-JP" altLang="en-US" sz="1200" b="1" dirty="0">
+                <a:solidFill>
+                  <a:srgbClr val="FF0000"/>
+                </a:solidFill>
+                <a:latin typeface="Arial Black" panose="020B0A04020102020204" pitchFamily="34" charset="0"/>
+              </a:rPr>
+              <a:t>プレイヤー</a:t>
+            </a:r>
+            <a:endParaRPr kumimoji="1" lang="ja-JP" altLang="en-US" sz="1200" b="1" dirty="0">
+              <a:solidFill>
+                <a:srgbClr val="FF0000"/>
+              </a:solidFill>
+              <a:latin typeface="Arial Black" panose="020B0A04020102020204" pitchFamily="34" charset="0"/>
+            </a:endParaRPr>
+          </a:p>
+        </p:txBody>
+      </p:sp>
+      <p:sp>
+        <p:nvSpPr>
+          <p:cNvPr id="35" name="テキスト ボックス 34">
+            <a:extLst>
+              <a:ext uri="{FF2B5EF4-FFF2-40B4-BE49-F238E27FC236}">
+                <a16:creationId xmlns:a16="http://schemas.microsoft.com/office/drawing/2014/main" id="{E271513F-92E8-4144-914F-CBA4205A6D23}"/>
+              </a:ext>
+            </a:extLst>
+          </p:cNvPr>
+          <p:cNvSpPr txBox="1"/>
+          <p:nvPr/>
+        </p:nvSpPr>
+        <p:spPr>
+          <a:xfrm>
+            <a:off x="1475348" y="2141904"/>
+            <a:ext cx="588145" cy="307777"/>
+          </a:xfrm>
+          <a:prstGeom prst="rect">
+            <a:avLst/>
+          </a:prstGeom>
+          <a:noFill/>
+        </p:spPr>
+        <p:txBody>
+          <a:bodyPr wrap="square" rtlCol="0">
+            <a:spAutoFit/>
+          </a:bodyPr>
+          <a:lstStyle/>
+          <a:p>
+            <a:r>
+              <a:rPr lang="en-US" altLang="ja-JP" sz="1400" b="1" dirty="0"/>
+              <a:t>NPC</a:t>
+            </a:r>
+            <a:endParaRPr kumimoji="1" lang="ja-JP" altLang="en-US" sz="1400" b="1" dirty="0"/>
+          </a:p>
+        </p:txBody>
+      </p:sp>
+      <p:sp>
+        <p:nvSpPr>
+          <p:cNvPr id="41" name="テキスト ボックス 40">
+            <a:extLst>
+              <a:ext uri="{FF2B5EF4-FFF2-40B4-BE49-F238E27FC236}">
+                <a16:creationId xmlns:a16="http://schemas.microsoft.com/office/drawing/2014/main" id="{F12C24D7-EDD6-4792-AE45-A4B3DCA00ED3}"/>
+              </a:ext>
+            </a:extLst>
+          </p:cNvPr>
+          <p:cNvSpPr txBox="1"/>
+          <p:nvPr/>
+        </p:nvSpPr>
+        <p:spPr>
+          <a:xfrm>
+            <a:off x="2229038" y="2983796"/>
+            <a:ext cx="588145" cy="307777"/>
+          </a:xfrm>
+          <a:prstGeom prst="rect">
+            <a:avLst/>
+          </a:prstGeom>
+          <a:noFill/>
+        </p:spPr>
+        <p:txBody>
+          <a:bodyPr wrap="square" rtlCol="0">
+            <a:spAutoFit/>
+          </a:bodyPr>
+          <a:lstStyle/>
+          <a:p>
+            <a:r>
+              <a:rPr lang="en-US" altLang="ja-JP" sz="1400" b="1" dirty="0"/>
+              <a:t>NPC</a:t>
+            </a:r>
+            <a:endParaRPr kumimoji="1" lang="ja-JP" altLang="en-US" sz="1400" b="1" dirty="0"/>
+          </a:p>
+        </p:txBody>
+      </p:sp>
+      <p:sp>
+        <p:nvSpPr>
+          <p:cNvPr id="42" name="テキスト ボックス 41">
+            <a:extLst>
+              <a:ext uri="{FF2B5EF4-FFF2-40B4-BE49-F238E27FC236}">
+                <a16:creationId xmlns:a16="http://schemas.microsoft.com/office/drawing/2014/main" id="{882481FF-1DFA-49A4-BFE4-0575AC66700C}"/>
+              </a:ext>
+            </a:extLst>
+          </p:cNvPr>
+          <p:cNvSpPr txBox="1"/>
+          <p:nvPr/>
+        </p:nvSpPr>
+        <p:spPr>
+          <a:xfrm>
+            <a:off x="8376563" y="3081102"/>
+            <a:ext cx="588145" cy="307777"/>
+          </a:xfrm>
+          <a:prstGeom prst="rect">
+            <a:avLst/>
+          </a:prstGeom>
+          <a:noFill/>
+        </p:spPr>
+        <p:txBody>
+          <a:bodyPr wrap="square" rtlCol="0">
+            <a:spAutoFit/>
+          </a:bodyPr>
+          <a:lstStyle/>
+          <a:p>
+            <a:r>
+              <a:rPr lang="en-US" altLang="ja-JP" sz="1400" b="1" dirty="0"/>
+              <a:t>NPC</a:t>
+            </a:r>
+            <a:endParaRPr kumimoji="1" lang="ja-JP" altLang="en-US" sz="1400" b="1" dirty="0"/>
+          </a:p>
+        </p:txBody>
+      </p:sp>
+      <p:sp>
+        <p:nvSpPr>
+          <p:cNvPr id="43" name="テキスト ボックス 42">
+            <a:extLst>
+              <a:ext uri="{FF2B5EF4-FFF2-40B4-BE49-F238E27FC236}">
+                <a16:creationId xmlns:a16="http://schemas.microsoft.com/office/drawing/2014/main" id="{6741241D-EEAA-409D-B0E7-5187B8E0684F}"/>
+              </a:ext>
+            </a:extLst>
+          </p:cNvPr>
+          <p:cNvSpPr txBox="1"/>
+          <p:nvPr/>
+        </p:nvSpPr>
+        <p:spPr>
+          <a:xfrm>
+            <a:off x="9810592" y="3640860"/>
+            <a:ext cx="588145" cy="307777"/>
+          </a:xfrm>
+          <a:prstGeom prst="rect">
+            <a:avLst/>
+          </a:prstGeom>
+          <a:noFill/>
+        </p:spPr>
+        <p:txBody>
+          <a:bodyPr wrap="square" rtlCol="0">
+            <a:spAutoFit/>
+          </a:bodyPr>
+          <a:lstStyle/>
+          <a:p>
+            <a:r>
+              <a:rPr lang="en-US" altLang="ja-JP" sz="1400" b="1" dirty="0"/>
+              <a:t>NPC</a:t>
+            </a:r>
+            <a:endParaRPr kumimoji="1" lang="ja-JP" altLang="en-US" sz="1400" b="1" dirty="0"/>
+          </a:p>
+        </p:txBody>
+      </p:sp>
+      <p:sp>
+        <p:nvSpPr>
+          <p:cNvPr id="44" name="テキスト ボックス 43">
+            <a:extLst>
+              <a:ext uri="{FF2B5EF4-FFF2-40B4-BE49-F238E27FC236}">
+                <a16:creationId xmlns:a16="http://schemas.microsoft.com/office/drawing/2014/main" id="{4C3ECBAB-11AB-42FA-91D2-3BADB0CC8A8B}"/>
+              </a:ext>
+            </a:extLst>
+          </p:cNvPr>
+          <p:cNvSpPr txBox="1"/>
+          <p:nvPr/>
+        </p:nvSpPr>
+        <p:spPr>
+          <a:xfrm>
+            <a:off x="9391890" y="2330379"/>
+            <a:ext cx="588145" cy="307777"/>
+          </a:xfrm>
+          <a:prstGeom prst="rect">
+            <a:avLst/>
+          </a:prstGeom>
+          <a:noFill/>
+        </p:spPr>
+        <p:txBody>
+          <a:bodyPr wrap="square" rtlCol="0">
+            <a:spAutoFit/>
+          </a:bodyPr>
+          <a:lstStyle/>
+          <a:p>
+            <a:r>
+              <a:rPr lang="en-US" altLang="ja-JP" sz="1400" b="1" dirty="0"/>
+              <a:t>NPC</a:t>
+            </a:r>
+            <a:endParaRPr kumimoji="1" lang="ja-JP" altLang="en-US" sz="1400" b="1" dirty="0"/>
           </a:p>
         </p:txBody>
       </p:sp>
@@ -4511,32 +5552,332 @@
           <a:bodyPr/>
           <a:lstStyle/>
           <a:p>
+            <a:r>
+              <a:rPr kumimoji="1" lang="ja-JP" altLang="en-US" b="1" dirty="0"/>
+              <a:t>ゲームシステム</a:t>
+            </a:r>
+          </a:p>
+        </p:txBody>
+      </p:sp>
+      <p:pic>
+        <p:nvPicPr>
+          <p:cNvPr id="9" name="図 8">
+            <a:extLst>
+              <a:ext uri="{FF2B5EF4-FFF2-40B4-BE49-F238E27FC236}">
+                <a16:creationId xmlns:a16="http://schemas.microsoft.com/office/drawing/2014/main" id="{525ABBE3-DC00-4511-A326-DAC268D4FDA0}"/>
+              </a:ext>
+            </a:extLst>
+          </p:cNvPr>
+          <p:cNvPicPr>
+            <a:picLocks noChangeAspect="1"/>
+          </p:cNvPicPr>
+          <p:nvPr/>
+        </p:nvPicPr>
+        <p:blipFill>
+          <a:blip r:embed="rId2">
+            <a:extLst>
+              <a:ext uri="{28A0092B-C50C-407E-A947-70E740481C1C}">
+                <a14:useLocalDpi xmlns:a14="http://schemas.microsoft.com/office/drawing/2010/main" val="0"/>
+              </a:ext>
+            </a:extLst>
+          </a:blip>
+          <a:stretch>
+            <a:fillRect/>
+          </a:stretch>
+        </p:blipFill>
+        <p:spPr>
+          <a:xfrm>
+            <a:off x="1976719" y="2482968"/>
+            <a:ext cx="2539682" cy="1892063"/>
+          </a:xfrm>
+          <a:prstGeom prst="rect">
+            <a:avLst/>
+          </a:prstGeom>
+        </p:spPr>
+      </p:pic>
+      <p:pic>
+        <p:nvPicPr>
+          <p:cNvPr id="11" name="図 10">
+            <a:extLst>
+              <a:ext uri="{FF2B5EF4-FFF2-40B4-BE49-F238E27FC236}">
+                <a16:creationId xmlns:a16="http://schemas.microsoft.com/office/drawing/2014/main" id="{6325B800-A526-4ABA-BB40-4BE0B9CBBC2A}"/>
+              </a:ext>
+            </a:extLst>
+          </p:cNvPr>
+          <p:cNvPicPr>
+            <a:picLocks noChangeAspect="1"/>
+          </p:cNvPicPr>
+          <p:nvPr/>
+        </p:nvPicPr>
+        <p:blipFill>
+          <a:blip r:embed="rId2">
+            <a:extLst>
+              <a:ext uri="{28A0092B-C50C-407E-A947-70E740481C1C}">
+                <a14:useLocalDpi xmlns:a14="http://schemas.microsoft.com/office/drawing/2010/main" val="0"/>
+              </a:ext>
+            </a:extLst>
+          </a:blip>
+          <a:stretch>
+            <a:fillRect/>
+          </a:stretch>
+        </p:blipFill>
+        <p:spPr>
+          <a:xfrm>
+            <a:off x="838200" y="3635189"/>
+            <a:ext cx="2539682" cy="1892063"/>
+          </a:xfrm>
+          <a:prstGeom prst="rect">
+            <a:avLst/>
+          </a:prstGeom>
+        </p:spPr>
+      </p:pic>
+      <p:pic>
+        <p:nvPicPr>
+          <p:cNvPr id="12" name="図 11">
+            <a:extLst>
+              <a:ext uri="{FF2B5EF4-FFF2-40B4-BE49-F238E27FC236}">
+                <a16:creationId xmlns:a16="http://schemas.microsoft.com/office/drawing/2014/main" id="{EFE162BF-564D-4F99-AB1F-8970D4391E74}"/>
+              </a:ext>
+            </a:extLst>
+          </p:cNvPr>
+          <p:cNvPicPr>
+            <a:picLocks noChangeAspect="1"/>
+          </p:cNvPicPr>
+          <p:nvPr/>
+        </p:nvPicPr>
+        <p:blipFill>
+          <a:blip r:embed="rId2">
+            <a:extLst>
+              <a:ext uri="{28A0092B-C50C-407E-A947-70E740481C1C}">
+                <a14:useLocalDpi xmlns:a14="http://schemas.microsoft.com/office/drawing/2010/main" val="0"/>
+              </a:ext>
+            </a:extLst>
+          </a:blip>
+          <a:stretch>
+            <a:fillRect/>
+          </a:stretch>
+        </p:blipFill>
+        <p:spPr>
+          <a:xfrm>
+            <a:off x="2451849" y="3635189"/>
+            <a:ext cx="2539682" cy="1892063"/>
+          </a:xfrm>
+          <a:prstGeom prst="rect">
+            <a:avLst/>
+          </a:prstGeom>
+        </p:spPr>
+      </p:pic>
+      <p:pic>
+        <p:nvPicPr>
+          <p:cNvPr id="16" name="図 15">
+            <a:extLst>
+              <a:ext uri="{FF2B5EF4-FFF2-40B4-BE49-F238E27FC236}">
+                <a16:creationId xmlns:a16="http://schemas.microsoft.com/office/drawing/2014/main" id="{CB5FEF2D-A159-4A01-9E68-D4D11222462E}"/>
+              </a:ext>
+            </a:extLst>
+          </p:cNvPr>
+          <p:cNvPicPr>
+            <a:picLocks noChangeAspect="1"/>
+          </p:cNvPicPr>
+          <p:nvPr/>
+        </p:nvPicPr>
+        <p:blipFill>
+          <a:blip r:embed="rId3">
+            <a:extLst>
+              <a:ext uri="{28A0092B-C50C-407E-A947-70E740481C1C}">
+                <a14:useLocalDpi xmlns:a14="http://schemas.microsoft.com/office/drawing/2010/main" val="0"/>
+              </a:ext>
+            </a:extLst>
+          </a:blip>
+          <a:stretch>
+            <a:fillRect/>
+          </a:stretch>
+        </p:blipFill>
+        <p:spPr>
+          <a:xfrm>
+            <a:off x="5466661" y="2037312"/>
+            <a:ext cx="2657206" cy="4675437"/>
+          </a:xfrm>
+          <a:prstGeom prst="rect">
+            <a:avLst/>
+          </a:prstGeom>
+        </p:spPr>
+      </p:pic>
+      <p:pic>
+        <p:nvPicPr>
+          <p:cNvPr id="14" name="図 13">
+            <a:extLst>
+              <a:ext uri="{FF2B5EF4-FFF2-40B4-BE49-F238E27FC236}">
+                <a16:creationId xmlns:a16="http://schemas.microsoft.com/office/drawing/2014/main" id="{BAED67E5-D24A-41E3-BE5F-E60AD1D6610C}"/>
+              </a:ext>
+            </a:extLst>
+          </p:cNvPr>
+          <p:cNvPicPr>
+            <a:picLocks noChangeAspect="1"/>
+          </p:cNvPicPr>
+          <p:nvPr/>
+        </p:nvPicPr>
+        <p:blipFill>
+          <a:blip r:embed="rId4">
+            <a:extLst>
+              <a:ext uri="{28A0092B-C50C-407E-A947-70E740481C1C}">
+                <a14:useLocalDpi xmlns:a14="http://schemas.microsoft.com/office/drawing/2010/main" val="0"/>
+              </a:ext>
+            </a:extLst>
+          </a:blip>
+          <a:stretch>
+            <a:fillRect/>
+          </a:stretch>
+        </p:blipFill>
+        <p:spPr>
+          <a:xfrm rot="782262">
+            <a:off x="7280006" y="3001738"/>
+            <a:ext cx="1963692" cy="1994800"/>
+          </a:xfrm>
+          <a:prstGeom prst="rect">
+            <a:avLst/>
+          </a:prstGeom>
+        </p:spPr>
+      </p:pic>
+      <p:sp>
+        <p:nvSpPr>
+          <p:cNvPr id="17" name="テキスト ボックス 16">
+            <a:extLst>
+              <a:ext uri="{FF2B5EF4-FFF2-40B4-BE49-F238E27FC236}">
+                <a16:creationId xmlns:a16="http://schemas.microsoft.com/office/drawing/2014/main" id="{39312285-33DA-4AC8-900E-42E182FA2CC9}"/>
+              </a:ext>
+            </a:extLst>
+          </p:cNvPr>
+          <p:cNvSpPr txBox="1"/>
+          <p:nvPr/>
+        </p:nvSpPr>
+        <p:spPr>
+          <a:xfrm>
+            <a:off x="2613718" y="1564054"/>
+            <a:ext cx="7109012" cy="830997"/>
+          </a:xfrm>
+          <a:prstGeom prst="rect">
+            <a:avLst/>
+          </a:prstGeom>
+          <a:noFill/>
+        </p:spPr>
+        <p:txBody>
+          <a:bodyPr wrap="square" rtlCol="0">
+            <a:spAutoFit/>
+          </a:bodyPr>
+          <a:lstStyle/>
+          <a:p>
+            <a:r>
+              <a:rPr lang="ja-JP" altLang="en-US" sz="2400" b="1" dirty="0">
+                <a:solidFill>
+                  <a:srgbClr val="FF0000"/>
+                </a:solidFill>
+              </a:rPr>
+              <a:t>味方が全員敵の攻撃に当たるか</a:t>
+            </a:r>
+            <a:endParaRPr lang="en-US" altLang="ja-JP" sz="2400" b="1" dirty="0">
+              <a:solidFill>
+                <a:srgbClr val="FF0000"/>
+              </a:solidFill>
+            </a:endParaRPr>
+          </a:p>
+          <a:p>
+            <a:r>
+              <a:rPr lang="ja-JP" altLang="en-US" sz="2400" b="1" dirty="0">
+                <a:solidFill>
+                  <a:srgbClr val="FF0000"/>
+                </a:solidFill>
+              </a:rPr>
+              <a:t>自陣のフラッグを取られたらゲームオーバー</a:t>
+            </a:r>
+            <a:endParaRPr kumimoji="1" lang="ja-JP" altLang="en-US" sz="2400" b="1" dirty="0">
+              <a:solidFill>
+                <a:srgbClr val="FF0000"/>
+              </a:solidFill>
+            </a:endParaRPr>
+          </a:p>
+        </p:txBody>
+      </p:sp>
+      <p:sp>
+        <p:nvSpPr>
+          <p:cNvPr id="19" name="吹き出し: 円形 18">
+            <a:extLst>
+              <a:ext uri="{FF2B5EF4-FFF2-40B4-BE49-F238E27FC236}">
+                <a16:creationId xmlns:a16="http://schemas.microsoft.com/office/drawing/2014/main" id="{6D8C8DEB-1B9F-41DC-B60C-114C369F0F6C}"/>
+              </a:ext>
+            </a:extLst>
+          </p:cNvPr>
+          <p:cNvSpPr/>
+          <p:nvPr/>
+        </p:nvSpPr>
+        <p:spPr>
+          <a:xfrm>
+            <a:off x="8784458" y="2131782"/>
+            <a:ext cx="2474259" cy="1044389"/>
+          </a:xfrm>
+          <a:prstGeom prst="wedgeEllipseCallout">
+            <a:avLst>
+              <a:gd name="adj1" fmla="val -70833"/>
+              <a:gd name="adj2" fmla="val 49624"/>
+            </a:avLst>
+          </a:prstGeom>
+        </p:spPr>
+        <p:style>
+          <a:lnRef idx="2">
+            <a:schemeClr val="dk1"/>
+          </a:lnRef>
+          <a:fillRef idx="1">
+            <a:schemeClr val="lt1"/>
+          </a:fillRef>
+          <a:effectRef idx="0">
+            <a:schemeClr val="dk1"/>
+          </a:effectRef>
+          <a:fontRef idx="minor">
+            <a:schemeClr val="dk1"/>
+          </a:fontRef>
+        </p:style>
+        <p:txBody>
+          <a:bodyPr rtlCol="0" anchor="ctr"/>
+          <a:lstStyle/>
+          <a:p>
+            <a:pPr algn="ctr"/>
             <a:endParaRPr kumimoji="1" lang="ja-JP" altLang="en-US"/>
           </a:p>
         </p:txBody>
       </p:sp>
       <p:sp>
         <p:nvSpPr>
-          <p:cNvPr id="3" name="コンテンツ プレースホルダー 2">
-            <a:extLst>
-              <a:ext uri="{FF2B5EF4-FFF2-40B4-BE49-F238E27FC236}">
-                <a16:creationId xmlns:a16="http://schemas.microsoft.com/office/drawing/2014/main" id="{2E35CF6F-686D-4643-9B6C-DC647D3509A5}"/>
-              </a:ext>
-            </a:extLst>
-          </p:cNvPr>
-          <p:cNvSpPr>
-            <a:spLocks noGrp="1"/>
-          </p:cNvSpPr>
-          <p:nvPr>
-            <p:ph idx="1"/>
-          </p:nvPr>
-        </p:nvSpPr>
-        <p:spPr/>
-        <p:txBody>
-          <a:bodyPr/>
-          <a:lstStyle/>
-          <a:p>
-            <a:endParaRPr kumimoji="1" lang="ja-JP" altLang="en-US"/>
+          <p:cNvPr id="20" name="テキスト ボックス 19">
+            <a:extLst>
+              <a:ext uri="{FF2B5EF4-FFF2-40B4-BE49-F238E27FC236}">
+                <a16:creationId xmlns:a16="http://schemas.microsoft.com/office/drawing/2014/main" id="{AA2117BF-C70B-4C13-B151-710A8DDF355B}"/>
+              </a:ext>
+            </a:extLst>
+          </p:cNvPr>
+          <p:cNvSpPr txBox="1"/>
+          <p:nvPr/>
+        </p:nvSpPr>
+        <p:spPr>
+          <a:xfrm>
+            <a:off x="8895633" y="2307234"/>
+            <a:ext cx="2363084" cy="707886"/>
+          </a:xfrm>
+          <a:prstGeom prst="rect">
+            <a:avLst/>
+          </a:prstGeom>
+          <a:noFill/>
+        </p:spPr>
+        <p:txBody>
+          <a:bodyPr wrap="square" rtlCol="0">
+            <a:spAutoFit/>
+          </a:bodyPr>
+          <a:lstStyle/>
+          <a:p>
+            <a:r>
+              <a:rPr kumimoji="1" lang="ja-JP" altLang="en-US" sz="4000"/>
+              <a:t>やった！</a:t>
+            </a:r>
+            <a:endParaRPr kumimoji="1" lang="ja-JP" altLang="en-US" sz="4000" dirty="0"/>
           </a:p>
         </p:txBody>
       </p:sp>
@@ -4586,40 +5927,65 @@
             <p:ph type="title"/>
           </p:nvPr>
         </p:nvSpPr>
-        <p:spPr/>
-        <p:txBody>
-          <a:bodyPr/>
-          <a:lstStyle/>
-          <a:p>
-            <a:endParaRPr kumimoji="1" lang="ja-JP" altLang="en-US"/>
-          </a:p>
-        </p:txBody>
-      </p:sp>
-      <p:sp>
-        <p:nvSpPr>
-          <p:cNvPr id="3" name="コンテンツ プレースホルダー 2">
-            <a:extLst>
-              <a:ext uri="{FF2B5EF4-FFF2-40B4-BE49-F238E27FC236}">
-                <a16:creationId xmlns:a16="http://schemas.microsoft.com/office/drawing/2014/main" id="{11694227-2BFE-48CF-8DB6-6B0458731E46}"/>
-              </a:ext>
-            </a:extLst>
-          </p:cNvPr>
-          <p:cNvSpPr>
-            <a:spLocks noGrp="1"/>
-          </p:cNvSpPr>
-          <p:nvPr>
-            <p:ph idx="1"/>
-          </p:nvPr>
-        </p:nvSpPr>
-        <p:spPr/>
-        <p:txBody>
-          <a:bodyPr/>
-          <a:lstStyle/>
-          <a:p>
-            <a:endParaRPr kumimoji="1" lang="ja-JP" altLang="en-US"/>
-          </a:p>
-        </p:txBody>
-      </p:sp>
+        <p:spPr>
+          <a:xfrm>
+            <a:off x="974911" y="2766218"/>
+            <a:ext cx="10242177" cy="1325563"/>
+          </a:xfrm>
+        </p:spPr>
+        <p:txBody>
+          <a:bodyPr>
+            <a:normAutofit/>
+          </a:bodyPr>
+          <a:lstStyle/>
+          <a:p>
+            <a:r>
+              <a:rPr kumimoji="1" lang="ja-JP" altLang="en-US" sz="4000" b="1" dirty="0">
+                <a:solidFill>
+                  <a:srgbClr val="FF0000"/>
+                </a:solidFill>
+              </a:rPr>
+              <a:t>障害物をうまく利用して勝利を勝ち取ろう！</a:t>
+            </a:r>
+          </a:p>
+        </p:txBody>
+      </p:sp>
+      <p:pic>
+        <p:nvPicPr>
+          <p:cNvPr id="10" name="図 9">
+            <a:extLst>
+              <a:ext uri="{FF2B5EF4-FFF2-40B4-BE49-F238E27FC236}">
+                <a16:creationId xmlns:a16="http://schemas.microsoft.com/office/drawing/2014/main" id="{57C60C07-C5FE-4660-8C7A-6B9AE9DBF5A4}"/>
+              </a:ext>
+            </a:extLst>
+          </p:cNvPr>
+          <p:cNvPicPr>
+            <a:picLocks noChangeAspect="1"/>
+          </p:cNvPicPr>
+          <p:nvPr/>
+        </p:nvPicPr>
+        <p:blipFill>
+          <a:blip r:embed="rId2">
+            <a:extLst>
+              <a:ext uri="{28A0092B-C50C-407E-A947-70E740481C1C}">
+                <a14:useLocalDpi xmlns:a14="http://schemas.microsoft.com/office/drawing/2010/main" val="0"/>
+              </a:ext>
+            </a:extLst>
+          </a:blip>
+          <a:stretch>
+            <a:fillRect/>
+          </a:stretch>
+        </p:blipFill>
+        <p:spPr>
+          <a:xfrm>
+            <a:off x="5105399" y="4433046"/>
+            <a:ext cx="1981200" cy="1981200"/>
+          </a:xfrm>
+          <a:prstGeom prst="rect">
+            <a:avLst/>
+          </a:prstGeom>
+        </p:spPr>
+      </p:pic>
     </p:spTree>
     <p:extLst>
       <p:ext uri="{BB962C8B-B14F-4D97-AF65-F5344CB8AC3E}">
@@ -4926,4 +6292,299 @@
     </a:ext>
   </a:extLst>
 </a:theme>
+</file>
+
+<file path=ppt/theme/theme2.xml><?xml version="1.0" encoding="utf-8"?>
+<a:theme xmlns:a="http://schemas.openxmlformats.org/drawingml/2006/main" name="Office テーマ">
+  <a:themeElements>
+    <a:clrScheme name="Office">
+      <a:dk1>
+        <a:sysClr val="windowText" lastClr="000000"/>
+      </a:dk1>
+      <a:lt1>
+        <a:sysClr val="window" lastClr="FFFFFF"/>
+      </a:lt1>
+      <a:dk2>
+        <a:srgbClr val="44546A"/>
+      </a:dk2>
+      <a:lt2>
+        <a:srgbClr val="E7E6E6"/>
+      </a:lt2>
+      <a:accent1>
+        <a:srgbClr val="4472C4"/>
+      </a:accent1>
+      <a:accent2>
+        <a:srgbClr val="ED7D31"/>
+      </a:accent2>
+      <a:accent3>
+        <a:srgbClr val="A5A5A5"/>
+      </a:accent3>
+      <a:accent4>
+        <a:srgbClr val="FFC000"/>
+      </a:accent4>
+      <a:accent5>
+        <a:srgbClr val="5B9BD5"/>
+      </a:accent5>
+      <a:accent6>
+        <a:srgbClr val="70AD47"/>
+      </a:accent6>
+      <a:hlink>
+        <a:srgbClr val="0563C1"/>
+      </a:hlink>
+      <a:folHlink>
+        <a:srgbClr val="954F72"/>
+      </a:folHlink>
+    </a:clrScheme>
+    <a:fontScheme name="Office">
+      <a:majorFont>
+        <a:latin typeface="游ゴシック Light" panose="020F0302020204030204"/>
+        <a:ea typeface=""/>
+        <a:cs typeface=""/>
+        <a:font script="Jpan" typeface="游ゴシック Light"/>
+        <a:font script="Hang" typeface="맑은 고딕"/>
+        <a:font script="Hans" typeface="等线 Light"/>
+        <a:font script="Hant" typeface="新細明體"/>
+        <a:font script="Arab" typeface="Times New Roman"/>
+        <a:font script="Hebr" typeface="Times New Roman"/>
+        <a:font script="Thai" typeface="Angsana New"/>
+        <a:font script="Ethi" typeface="Nyala"/>
+        <a:font script="Beng" typeface="Vrinda"/>
+        <a:font script="Gujr" typeface="Shruti"/>
+        <a:font script="Khmr" typeface="MoolBoran"/>
+        <a:font script="Knda" typeface="Tunga"/>
+        <a:font script="Guru" typeface="Raavi"/>
+        <a:font script="Cans" typeface="Euphemia"/>
+        <a:font script="Cher" typeface="Plantagenet Cherokee"/>
+        <a:font script="Yiii" typeface="Microsoft Yi Baiti"/>
+        <a:font script="Tibt" typeface="Microsoft Himalaya"/>
+        <a:font script="Thaa" typeface="MV Boli"/>
+        <a:font script="Deva" typeface="Mangal"/>
+        <a:font script="Telu" typeface="Gautami"/>
+        <a:font script="Taml" typeface="Latha"/>
+        <a:font script="Syrc" typeface="Estrangelo Edessa"/>
+        <a:font script="Orya" typeface="Kalinga"/>
+        <a:font script="Mlym" typeface="Kartika"/>
+        <a:font script="Laoo" typeface="DokChampa"/>
+        <a:font script="Sinh" typeface="Iskoola Pota"/>
+        <a:font script="Mong" typeface="Mongolian Baiti"/>
+        <a:font script="Viet" typeface="Times New Roman"/>
+        <a:font script="Uigh" typeface="Microsoft Uighur"/>
+        <a:font script="Geor" typeface="Sylfaen"/>
+        <a:font script="Armn" typeface="Arial"/>
+        <a:font script="Bugi" typeface="Leelawadee UI"/>
+        <a:font script="Bopo" typeface="Microsoft JhengHei"/>
+        <a:font script="Java" typeface="Javanese Text"/>
+        <a:font script="Lisu" typeface="Segoe UI"/>
+        <a:font script="Mymr" typeface="Myanmar Text"/>
+        <a:font script="Nkoo" typeface="Ebrima"/>
+        <a:font script="Olck" typeface="Nirmala UI"/>
+        <a:font script="Osma" typeface="Ebrima"/>
+        <a:font script="Phag" typeface="Phagspa"/>
+        <a:font script="Syrn" typeface="Estrangelo Edessa"/>
+        <a:font script="Syrj" typeface="Estrangelo Edessa"/>
+        <a:font script="Syre" typeface="Estrangelo Edessa"/>
+        <a:font script="Sora" typeface="Nirmala UI"/>
+        <a:font script="Tale" typeface="Microsoft Tai Le"/>
+        <a:font script="Talu" typeface="Microsoft New Tai Lue"/>
+        <a:font script="Tfng" typeface="Ebrima"/>
+      </a:majorFont>
+      <a:minorFont>
+        <a:latin typeface="游ゴシック" panose="020F0502020204030204"/>
+        <a:ea typeface=""/>
+        <a:cs typeface=""/>
+        <a:font script="Jpan" typeface="游ゴシック"/>
+        <a:font script="Hang" typeface="맑은 고딕"/>
+        <a:font script="Hans" typeface="等线"/>
+        <a:font script="Hant" typeface="新細明體"/>
+        <a:font script="Arab" typeface="Arial"/>
+        <a:font script="Hebr" typeface="Arial"/>
+        <a:font script="Thai" typeface="Cordia New"/>
+        <a:font script="Ethi" typeface="Nyala"/>
+        <a:font script="Beng" typeface="Vrinda"/>
+        <a:font script="Gujr" typeface="Shruti"/>
+        <a:font script="Khmr" typeface="DaunPenh"/>
+        <a:font script="Knda" typeface="Tunga"/>
+        <a:font script="Guru" typeface="Raavi"/>
+        <a:font script="Cans" typeface="Euphemia"/>
+        <a:font script="Cher" typeface="Plantagenet Cherokee"/>
+        <a:font script="Yiii" typeface="Microsoft Yi Baiti"/>
+        <a:font script="Tibt" typeface="Microsoft Himalaya"/>
+        <a:font script="Thaa" typeface="MV Boli"/>
+        <a:font script="Deva" typeface="Mangal"/>
+        <a:font script="Telu" typeface="Gautami"/>
+        <a:font script="Taml" typeface="Latha"/>
+        <a:font script="Syrc" typeface="Estrangelo Edessa"/>
+        <a:font script="Orya" typeface="Kalinga"/>
+        <a:font script="Mlym" typeface="Kartika"/>
+        <a:font script="Laoo" typeface="DokChampa"/>
+        <a:font script="Sinh" typeface="Iskoola Pota"/>
+        <a:font script="Mong" typeface="Mongolian Baiti"/>
+        <a:font script="Viet" typeface="Arial"/>
+        <a:font script="Uigh" typeface="Microsoft Uighur"/>
+        <a:font script="Geor" typeface="Sylfaen"/>
+        <a:font script="Armn" typeface="Arial"/>
+        <a:font script="Bugi" typeface="Leelawadee UI"/>
+        <a:font script="Bopo" typeface="Microsoft JhengHei"/>
+        <a:font script="Java" typeface="Javanese Text"/>
+        <a:font script="Lisu" typeface="Segoe UI"/>
+        <a:font script="Mymr" typeface="Myanmar Text"/>
+        <a:font script="Nkoo" typeface="Ebrima"/>
+        <a:font script="Olck" typeface="Nirmala UI"/>
+        <a:font script="Osma" typeface="Ebrima"/>
+        <a:font script="Phag" typeface="Phagspa"/>
+        <a:font script="Syrn" typeface="Estrangelo Edessa"/>
+        <a:font script="Syrj" typeface="Estrangelo Edessa"/>
+        <a:font script="Syre" typeface="Estrangelo Edessa"/>
+        <a:font script="Sora" typeface="Nirmala UI"/>
+        <a:font script="Tale" typeface="Microsoft Tai Le"/>
+        <a:font script="Talu" typeface="Microsoft New Tai Lue"/>
+        <a:font script="Tfng" typeface="Ebrima"/>
+      </a:minorFont>
+    </a:fontScheme>
+    <a:fmtScheme name="Office">
+      <a:fillStyleLst>
+        <a:solidFill>
+          <a:schemeClr val="phClr"/>
+        </a:solidFill>
+        <a:gradFill rotWithShape="1">
+          <a:gsLst>
+            <a:gs pos="0">
+              <a:schemeClr val="phClr">
+                <a:lumMod val="110000"/>
+                <a:satMod val="105000"/>
+                <a:tint val="67000"/>
+              </a:schemeClr>
+            </a:gs>
+            <a:gs pos="50000">
+              <a:schemeClr val="phClr">
+                <a:lumMod val="105000"/>
+                <a:satMod val="103000"/>
+                <a:tint val="73000"/>
+              </a:schemeClr>
+            </a:gs>
+            <a:gs pos="100000">
+              <a:schemeClr val="phClr">
+                <a:lumMod val="105000"/>
+                <a:satMod val="109000"/>
+                <a:tint val="81000"/>
+              </a:schemeClr>
+            </a:gs>
+          </a:gsLst>
+          <a:lin ang="5400000" scaled="0"/>
+        </a:gradFill>
+        <a:gradFill rotWithShape="1">
+          <a:gsLst>
+            <a:gs pos="0">
+              <a:schemeClr val="phClr">
+                <a:satMod val="103000"/>
+                <a:lumMod val="102000"/>
+                <a:tint val="94000"/>
+              </a:schemeClr>
+            </a:gs>
+            <a:gs pos="50000">
+              <a:schemeClr val="phClr">
+                <a:satMod val="110000"/>
+                <a:lumMod val="100000"/>
+                <a:shade val="100000"/>
+              </a:schemeClr>
+            </a:gs>
+            <a:gs pos="100000">
+              <a:schemeClr val="phClr">
+                <a:lumMod val="99000"/>
+                <a:satMod val="120000"/>
+                <a:shade val="78000"/>
+              </a:schemeClr>
+            </a:gs>
+          </a:gsLst>
+          <a:lin ang="5400000" scaled="0"/>
+        </a:gradFill>
+      </a:fillStyleLst>
+      <a:lnStyleLst>
+        <a:ln w="6350" cap="flat" cmpd="sng" algn="ctr">
+          <a:solidFill>
+            <a:schemeClr val="phClr"/>
+          </a:solidFill>
+          <a:prstDash val="solid"/>
+          <a:miter lim="800000"/>
+        </a:ln>
+        <a:ln w="12700" cap="flat" cmpd="sng" algn="ctr">
+          <a:solidFill>
+            <a:schemeClr val="phClr"/>
+          </a:solidFill>
+          <a:prstDash val="solid"/>
+          <a:miter lim="800000"/>
+        </a:ln>
+        <a:ln w="19050" cap="flat" cmpd="sng" algn="ctr">
+          <a:solidFill>
+            <a:schemeClr val="phClr"/>
+          </a:solidFill>
+          <a:prstDash val="solid"/>
+          <a:miter lim="800000"/>
+        </a:ln>
+      </a:lnStyleLst>
+      <a:effectStyleLst>
+        <a:effectStyle>
+          <a:effectLst/>
+        </a:effectStyle>
+        <a:effectStyle>
+          <a:effectLst/>
+        </a:effectStyle>
+        <a:effectStyle>
+          <a:effectLst>
+            <a:outerShdw blurRad="57150" dist="19050" dir="5400000" algn="ctr" rotWithShape="0">
+              <a:srgbClr val="000000">
+                <a:alpha val="63000"/>
+              </a:srgbClr>
+            </a:outerShdw>
+          </a:effectLst>
+        </a:effectStyle>
+      </a:effectStyleLst>
+      <a:bgFillStyleLst>
+        <a:solidFill>
+          <a:schemeClr val="phClr"/>
+        </a:solidFill>
+        <a:solidFill>
+          <a:schemeClr val="phClr">
+            <a:tint val="95000"/>
+            <a:satMod val="170000"/>
+          </a:schemeClr>
+        </a:solidFill>
+        <a:gradFill rotWithShape="1">
+          <a:gsLst>
+            <a:gs pos="0">
+              <a:schemeClr val="phClr">
+                <a:tint val="93000"/>
+                <a:satMod val="150000"/>
+                <a:shade val="98000"/>
+                <a:lumMod val="102000"/>
+              </a:schemeClr>
+            </a:gs>
+            <a:gs pos="50000">
+              <a:schemeClr val="phClr">
+                <a:tint val="98000"/>
+                <a:satMod val="130000"/>
+                <a:shade val="90000"/>
+                <a:lumMod val="103000"/>
+              </a:schemeClr>
+            </a:gs>
+            <a:gs pos="100000">
+              <a:schemeClr val="phClr">
+                <a:shade val="63000"/>
+                <a:satMod val="120000"/>
+              </a:schemeClr>
+            </a:gs>
+          </a:gsLst>
+          <a:lin ang="5400000" scaled="0"/>
+        </a:gradFill>
+      </a:bgFillStyleLst>
+    </a:fmtScheme>
+  </a:themeElements>
+  <a:objectDefaults/>
+  <a:extraClrSchemeLst/>
+  <a:extLst>
+    <a:ext uri="{05A4C25C-085E-4340-85A3-A5531E510DB2}">
+      <thm15:themeFamily xmlns:thm15="http://schemas.microsoft.com/office/thememl/2012/main" name="Office Theme" id="{62F939B6-93AF-4DB8-9C6B-D6C7DFDC589F}" vid="{4A3C46E8-61CC-4603-A589-7422A47A8E4A}"/>
+    </a:ext>
+  </a:extLst>
+</a:theme>
 </file>
--- a/3DLv2_2023_vs2019_Game/Plan/ゲーム制作Ⅱ.pptx
+++ b/3DLv2_2023_vs2019_Game/Plan/ゲーム制作Ⅱ.pptx
@@ -215,7 +215,7 @@
           <a:p>
             <a:fld id="{319C14DC-9D23-46B0-9D27-DF0B6E0AE3DA}" type="datetimeFigureOut">
               <a:rPr kumimoji="1" lang="ja-JP" altLang="en-US" smtClean="0"/>
-              <a:t>2023/4/12</a:t>
+              <a:t>2023/4/18</a:t>
             </a:fld>
             <a:endParaRPr kumimoji="1" lang="ja-JP" altLang="en-US"/>
           </a:p>
@@ -661,7 +661,7 @@
           <a:p>
             <a:fld id="{CE90ACFF-D691-42B3-9621-6E3A24D9BE9D}" type="datetimeFigureOut">
               <a:rPr kumimoji="1" lang="ja-JP" altLang="en-US" smtClean="0"/>
-              <a:t>2023/4/12</a:t>
+              <a:t>2023/4/18</a:t>
             </a:fld>
             <a:endParaRPr kumimoji="1" lang="ja-JP" altLang="en-US"/>
           </a:p>
@@ -891,7 +891,7 @@
           <a:p>
             <a:fld id="{CE90ACFF-D691-42B3-9621-6E3A24D9BE9D}" type="datetimeFigureOut">
               <a:rPr kumimoji="1" lang="ja-JP" altLang="en-US" smtClean="0"/>
-              <a:t>2023/4/12</a:t>
+              <a:t>2023/4/18</a:t>
             </a:fld>
             <a:endParaRPr kumimoji="1" lang="ja-JP" altLang="en-US"/>
           </a:p>
@@ -1131,7 +1131,7 @@
           <a:p>
             <a:fld id="{CE90ACFF-D691-42B3-9621-6E3A24D9BE9D}" type="datetimeFigureOut">
               <a:rPr kumimoji="1" lang="ja-JP" altLang="en-US" smtClean="0"/>
-              <a:t>2023/4/12</a:t>
+              <a:t>2023/4/18</a:t>
             </a:fld>
             <a:endParaRPr kumimoji="1" lang="ja-JP" altLang="en-US"/>
           </a:p>
@@ -1361,7 +1361,7 @@
           <a:p>
             <a:fld id="{CE90ACFF-D691-42B3-9621-6E3A24D9BE9D}" type="datetimeFigureOut">
               <a:rPr kumimoji="1" lang="ja-JP" altLang="en-US" smtClean="0"/>
-              <a:t>2023/4/12</a:t>
+              <a:t>2023/4/18</a:t>
             </a:fld>
             <a:endParaRPr kumimoji="1" lang="ja-JP" altLang="en-US"/>
           </a:p>
@@ -1636,7 +1636,7 @@
           <a:p>
             <a:fld id="{CE90ACFF-D691-42B3-9621-6E3A24D9BE9D}" type="datetimeFigureOut">
               <a:rPr kumimoji="1" lang="ja-JP" altLang="en-US" smtClean="0"/>
-              <a:t>2023/4/12</a:t>
+              <a:t>2023/4/18</a:t>
             </a:fld>
             <a:endParaRPr kumimoji="1" lang="ja-JP" altLang="en-US"/>
           </a:p>
@@ -1965,7 +1965,7 @@
           <a:p>
             <a:fld id="{CE90ACFF-D691-42B3-9621-6E3A24D9BE9D}" type="datetimeFigureOut">
               <a:rPr kumimoji="1" lang="ja-JP" altLang="en-US" smtClean="0"/>
-              <a:t>2023/4/12</a:t>
+              <a:t>2023/4/18</a:t>
             </a:fld>
             <a:endParaRPr kumimoji="1" lang="ja-JP" altLang="en-US"/>
           </a:p>
@@ -2441,7 +2441,7 @@
           <a:p>
             <a:fld id="{CE90ACFF-D691-42B3-9621-6E3A24D9BE9D}" type="datetimeFigureOut">
               <a:rPr kumimoji="1" lang="ja-JP" altLang="en-US" smtClean="0"/>
-              <a:t>2023/4/12</a:t>
+              <a:t>2023/4/18</a:t>
             </a:fld>
             <a:endParaRPr kumimoji="1" lang="ja-JP" altLang="en-US"/>
           </a:p>
@@ -2582,7 +2582,7 @@
           <a:p>
             <a:fld id="{CE90ACFF-D691-42B3-9621-6E3A24D9BE9D}" type="datetimeFigureOut">
               <a:rPr kumimoji="1" lang="ja-JP" altLang="en-US" smtClean="0"/>
-              <a:t>2023/4/12</a:t>
+              <a:t>2023/4/18</a:t>
             </a:fld>
             <a:endParaRPr kumimoji="1" lang="ja-JP" altLang="en-US"/>
           </a:p>
@@ -2695,7 +2695,7 @@
           <a:p>
             <a:fld id="{CE90ACFF-D691-42B3-9621-6E3A24D9BE9D}" type="datetimeFigureOut">
               <a:rPr kumimoji="1" lang="ja-JP" altLang="en-US" smtClean="0"/>
-              <a:t>2023/4/12</a:t>
+              <a:t>2023/4/18</a:t>
             </a:fld>
             <a:endParaRPr kumimoji="1" lang="ja-JP" altLang="en-US"/>
           </a:p>
@@ -3038,7 +3038,7 @@
           <a:p>
             <a:fld id="{CE90ACFF-D691-42B3-9621-6E3A24D9BE9D}" type="datetimeFigureOut">
               <a:rPr kumimoji="1" lang="ja-JP" altLang="en-US" smtClean="0"/>
-              <a:t>2023/4/12</a:t>
+              <a:t>2023/4/18</a:t>
             </a:fld>
             <a:endParaRPr kumimoji="1" lang="ja-JP" altLang="en-US"/>
           </a:p>
@@ -3326,7 +3326,7 @@
           <a:p>
             <a:fld id="{CE90ACFF-D691-42B3-9621-6E3A24D9BE9D}" type="datetimeFigureOut">
               <a:rPr kumimoji="1" lang="ja-JP" altLang="en-US" smtClean="0"/>
-              <a:t>2023/4/12</a:t>
+              <a:t>2023/4/18</a:t>
             </a:fld>
             <a:endParaRPr kumimoji="1" lang="ja-JP" altLang="en-US"/>
           </a:p>
@@ -3599,7 +3599,7 @@
           <a:p>
             <a:fld id="{CE90ACFF-D691-42B3-9621-6E3A24D9BE9D}" type="datetimeFigureOut">
               <a:rPr kumimoji="1" lang="ja-JP" altLang="en-US" smtClean="0"/>
-              <a:t>2023/4/12</a:t>
+              <a:t>2023/4/18</a:t>
             </a:fld>
             <a:endParaRPr kumimoji="1" lang="ja-JP" altLang="en-US"/>
           </a:p>
@@ -4146,7 +4146,12 @@
             <p:ph type="title"/>
           </p:nvPr>
         </p:nvSpPr>
-        <p:spPr/>
+        <p:spPr>
+          <a:xfrm>
+            <a:off x="838200" y="365125"/>
+            <a:ext cx="2147047" cy="1325563"/>
+          </a:xfrm>
+        </p:spPr>
         <p:txBody>
           <a:bodyPr/>
           <a:lstStyle/>
@@ -4174,7 +4179,12 @@
             <p:ph idx="1"/>
           </p:nvPr>
         </p:nvSpPr>
-        <p:spPr/>
+        <p:spPr>
+          <a:xfrm>
+            <a:off x="661147" y="2094565"/>
+            <a:ext cx="10869706" cy="1177552"/>
+          </a:xfrm>
+        </p:spPr>
         <p:txBody>
           <a:bodyPr/>
           <a:lstStyle/>
@@ -4182,7 +4192,37 @@
             <a:pPr marL="0" indent="0">
               <a:buNone/>
             </a:pPr>
-            <a:endParaRPr kumimoji="1" lang="ja-JP" altLang="en-US" dirty="0"/>
+            <a:r>
+              <a:rPr lang="ja-JP" altLang="en-US" dirty="0"/>
+              <a:t>とあるスノーゴーレムの村での一幕</a:t>
+            </a:r>
+            <a:endParaRPr lang="en-US" altLang="ja-JP" dirty="0"/>
+          </a:p>
+          <a:p>
+            <a:pPr marL="0" indent="0">
+              <a:buNone/>
+            </a:pPr>
+            <a:r>
+              <a:rPr lang="ja-JP" altLang="en-US" dirty="0"/>
+              <a:t>村人</a:t>
+            </a:r>
+            <a:r>
+              <a:rPr lang="en-US" altLang="ja-JP" dirty="0"/>
+              <a:t>	(</a:t>
+            </a:r>
+            <a:r>
+              <a:rPr lang="ja-JP" altLang="en-US" dirty="0"/>
+              <a:t>スノーゴーレム</a:t>
+            </a:r>
+            <a:r>
+              <a:rPr lang="en-US" altLang="ja-JP" dirty="0"/>
+              <a:t>)</a:t>
+            </a:r>
+            <a:r>
+              <a:rPr lang="ja-JP" altLang="en-US" dirty="0"/>
+              <a:t>達がいつものように雪合戦で遊んでいる。</a:t>
+            </a:r>
+            <a:endParaRPr lang="en-US" altLang="ja-JP" dirty="0"/>
           </a:p>
         </p:txBody>
       </p:sp>
@@ -5773,13 +5813,13 @@
                   <a:srgbClr val="FF0000"/>
                 </a:solidFill>
               </a:rPr>
-              <a:t>味方が全員敵の攻撃に当たるか</a:t>
-            </a:r>
-            <a:endParaRPr lang="en-US" altLang="ja-JP" sz="2400" b="1" dirty="0">
-              <a:solidFill>
-                <a:srgbClr val="FF0000"/>
-              </a:solidFill>
-            </a:endParaRPr>
+              <a:t>味方が全員敵の攻撃に当たる</a:t>
+            </a:r>
+            <a:r>
+              <a:rPr lang="ja-JP" altLang="en-US" sz="2400" b="1" dirty="0"/>
+              <a:t>か</a:t>
+            </a:r>
+            <a:endParaRPr lang="en-US" altLang="ja-JP" sz="2400" b="1" dirty="0"/>
           </a:p>
           <a:p>
             <a:r>
@@ -5788,13 +5828,13 @@
                   <a:srgbClr val="FF0000"/>
                 </a:solidFill>
               </a:rPr>
-              <a:t>自陣のフラッグを取られたらゲームオーバー</a:t>
-            </a:r>
-            <a:endParaRPr kumimoji="1" lang="ja-JP" altLang="en-US" sz="2400" b="1" dirty="0">
-              <a:solidFill>
-                <a:srgbClr val="FF0000"/>
-              </a:solidFill>
-            </a:endParaRPr>
+              <a:t>自陣のフラッグを取られたら</a:t>
+            </a:r>
+            <a:r>
+              <a:rPr lang="ja-JP" altLang="en-US" sz="2400" b="1" dirty="0"/>
+              <a:t>ゲームオーバー</a:t>
+            </a:r>
+            <a:endParaRPr kumimoji="1" lang="ja-JP" altLang="en-US" sz="2400" b="1" dirty="0"/>
           </a:p>
         </p:txBody>
       </p:sp>

--- a/3DLv2_2023_vs2019_Game/Plan/ゲーム制作Ⅱ.pptx
+++ b/3DLv2_2023_vs2019_Game/Plan/ゲーム制作Ⅱ.pptx
@@ -11,9 +11,9 @@
     <p:sldId id="256" r:id="rId2"/>
     <p:sldId id="257" r:id="rId3"/>
     <p:sldId id="258" r:id="rId4"/>
-    <p:sldId id="259" r:id="rId5"/>
-    <p:sldId id="260" r:id="rId6"/>
-    <p:sldId id="261" r:id="rId7"/>
+    <p:sldId id="260" r:id="rId5"/>
+    <p:sldId id="261" r:id="rId6"/>
+    <p:sldId id="259" r:id="rId7"/>
     <p:sldId id="262" r:id="rId8"/>
   </p:sldIdLst>
   <p:sldSz cx="12192000" cy="6858000"/>
@@ -215,7 +215,7 @@
           <a:p>
             <a:fld id="{319C14DC-9D23-46B0-9D27-DF0B6E0AE3DA}" type="datetimeFigureOut">
               <a:rPr kumimoji="1" lang="ja-JP" altLang="en-US" smtClean="0"/>
-              <a:t>2023/4/18</a:t>
+              <a:t>2023/4/19</a:t>
             </a:fld>
             <a:endParaRPr kumimoji="1" lang="ja-JP" altLang="en-US"/>
           </a:p>
@@ -661,7 +661,7 @@
           <a:p>
             <a:fld id="{CE90ACFF-D691-42B3-9621-6E3A24D9BE9D}" type="datetimeFigureOut">
               <a:rPr kumimoji="1" lang="ja-JP" altLang="en-US" smtClean="0"/>
-              <a:t>2023/4/18</a:t>
+              <a:t>2023/4/19</a:t>
             </a:fld>
             <a:endParaRPr kumimoji="1" lang="ja-JP" altLang="en-US"/>
           </a:p>
@@ -891,7 +891,7 @@
           <a:p>
             <a:fld id="{CE90ACFF-D691-42B3-9621-6E3A24D9BE9D}" type="datetimeFigureOut">
               <a:rPr kumimoji="1" lang="ja-JP" altLang="en-US" smtClean="0"/>
-              <a:t>2023/4/18</a:t>
+              <a:t>2023/4/19</a:t>
             </a:fld>
             <a:endParaRPr kumimoji="1" lang="ja-JP" altLang="en-US"/>
           </a:p>
@@ -1131,7 +1131,7 @@
           <a:p>
             <a:fld id="{CE90ACFF-D691-42B3-9621-6E3A24D9BE9D}" type="datetimeFigureOut">
               <a:rPr kumimoji="1" lang="ja-JP" altLang="en-US" smtClean="0"/>
-              <a:t>2023/4/18</a:t>
+              <a:t>2023/4/19</a:t>
             </a:fld>
             <a:endParaRPr kumimoji="1" lang="ja-JP" altLang="en-US"/>
           </a:p>
@@ -1361,7 +1361,7 @@
           <a:p>
             <a:fld id="{CE90ACFF-D691-42B3-9621-6E3A24D9BE9D}" type="datetimeFigureOut">
               <a:rPr kumimoji="1" lang="ja-JP" altLang="en-US" smtClean="0"/>
-              <a:t>2023/4/18</a:t>
+              <a:t>2023/4/19</a:t>
             </a:fld>
             <a:endParaRPr kumimoji="1" lang="ja-JP" altLang="en-US"/>
           </a:p>
@@ -1636,7 +1636,7 @@
           <a:p>
             <a:fld id="{CE90ACFF-D691-42B3-9621-6E3A24D9BE9D}" type="datetimeFigureOut">
               <a:rPr kumimoji="1" lang="ja-JP" altLang="en-US" smtClean="0"/>
-              <a:t>2023/4/18</a:t>
+              <a:t>2023/4/19</a:t>
             </a:fld>
             <a:endParaRPr kumimoji="1" lang="ja-JP" altLang="en-US"/>
           </a:p>
@@ -1965,7 +1965,7 @@
           <a:p>
             <a:fld id="{CE90ACFF-D691-42B3-9621-6E3A24D9BE9D}" type="datetimeFigureOut">
               <a:rPr kumimoji="1" lang="ja-JP" altLang="en-US" smtClean="0"/>
-              <a:t>2023/4/18</a:t>
+              <a:t>2023/4/19</a:t>
             </a:fld>
             <a:endParaRPr kumimoji="1" lang="ja-JP" altLang="en-US"/>
           </a:p>
@@ -2441,7 +2441,7 @@
           <a:p>
             <a:fld id="{CE90ACFF-D691-42B3-9621-6E3A24D9BE9D}" type="datetimeFigureOut">
               <a:rPr kumimoji="1" lang="ja-JP" altLang="en-US" smtClean="0"/>
-              <a:t>2023/4/18</a:t>
+              <a:t>2023/4/19</a:t>
             </a:fld>
             <a:endParaRPr kumimoji="1" lang="ja-JP" altLang="en-US"/>
           </a:p>
@@ -2582,7 +2582,7 @@
           <a:p>
             <a:fld id="{CE90ACFF-D691-42B3-9621-6E3A24D9BE9D}" type="datetimeFigureOut">
               <a:rPr kumimoji="1" lang="ja-JP" altLang="en-US" smtClean="0"/>
-              <a:t>2023/4/18</a:t>
+              <a:t>2023/4/19</a:t>
             </a:fld>
             <a:endParaRPr kumimoji="1" lang="ja-JP" altLang="en-US"/>
           </a:p>
@@ -2695,7 +2695,7 @@
           <a:p>
             <a:fld id="{CE90ACFF-D691-42B3-9621-6E3A24D9BE9D}" type="datetimeFigureOut">
               <a:rPr kumimoji="1" lang="ja-JP" altLang="en-US" smtClean="0"/>
-              <a:t>2023/4/18</a:t>
+              <a:t>2023/4/19</a:t>
             </a:fld>
             <a:endParaRPr kumimoji="1" lang="ja-JP" altLang="en-US"/>
           </a:p>
@@ -3038,7 +3038,7 @@
           <a:p>
             <a:fld id="{CE90ACFF-D691-42B3-9621-6E3A24D9BE9D}" type="datetimeFigureOut">
               <a:rPr kumimoji="1" lang="ja-JP" altLang="en-US" smtClean="0"/>
-              <a:t>2023/4/18</a:t>
+              <a:t>2023/4/19</a:t>
             </a:fld>
             <a:endParaRPr kumimoji="1" lang="ja-JP" altLang="en-US"/>
           </a:p>
@@ -3326,7 +3326,7 @@
           <a:p>
             <a:fld id="{CE90ACFF-D691-42B3-9621-6E3A24D9BE9D}" type="datetimeFigureOut">
               <a:rPr kumimoji="1" lang="ja-JP" altLang="en-US" smtClean="0"/>
-              <a:t>2023/4/18</a:t>
+              <a:t>2023/4/19</a:t>
             </a:fld>
             <a:endParaRPr kumimoji="1" lang="ja-JP" altLang="en-US"/>
           </a:p>
@@ -3599,7 +3599,7 @@
           <a:p>
             <a:fld id="{CE90ACFF-D691-42B3-9621-6E3A24D9BE9D}" type="datetimeFigureOut">
               <a:rPr kumimoji="1" lang="ja-JP" altLang="en-US" smtClean="0"/>
-              <a:t>2023/4/18</a:t>
+              <a:t>2023/4/19</a:t>
             </a:fld>
             <a:endParaRPr kumimoji="1" lang="ja-JP" altLang="en-US"/>
           </a:p>
@@ -4182,7 +4182,7 @@
         <p:spPr>
           <a:xfrm>
             <a:off x="661147" y="2094565"/>
-            <a:ext cx="10869706" cy="1177552"/>
+            <a:ext cx="10869706" cy="1325563"/>
           </a:xfrm>
         </p:spPr>
         <p:txBody>
@@ -4333,6 +4333,1138 @@
 </file>
 
 <file path=ppt/slides/slide4.xml><?xml version="1.0" encoding="utf-8"?>
+<p:sld xmlns:a="http://schemas.openxmlformats.org/drawingml/2006/main" xmlns:r="http://schemas.openxmlformats.org/officeDocument/2006/relationships" xmlns:p="http://schemas.openxmlformats.org/presentationml/2006/main">
+  <p:cSld>
+    <p:spTree>
+      <p:nvGrpSpPr>
+        <p:cNvPr id="1" name=""/>
+        <p:cNvGrpSpPr/>
+        <p:nvPr/>
+      </p:nvGrpSpPr>
+      <p:grpSpPr>
+        <a:xfrm>
+          <a:off x="0" y="0"/>
+          <a:ext cx="0" cy="0"/>
+          <a:chOff x="0" y="0"/>
+          <a:chExt cx="0" cy="0"/>
+        </a:xfrm>
+      </p:grpSpPr>
+      <p:sp>
+        <p:nvSpPr>
+          <p:cNvPr id="2" name="タイトル 1">
+            <a:extLst>
+              <a:ext uri="{FF2B5EF4-FFF2-40B4-BE49-F238E27FC236}">
+                <a16:creationId xmlns:a16="http://schemas.microsoft.com/office/drawing/2014/main" id="{FF231320-5853-4108-87AD-88E75042ABBD}"/>
+              </a:ext>
+            </a:extLst>
+          </p:cNvPr>
+          <p:cNvSpPr>
+            <a:spLocks noGrp="1"/>
+          </p:cNvSpPr>
+          <p:nvPr>
+            <p:ph type="title"/>
+          </p:nvPr>
+        </p:nvSpPr>
+        <p:spPr/>
+        <p:txBody>
+          <a:bodyPr/>
+          <a:lstStyle/>
+          <a:p>
+            <a:r>
+              <a:rPr kumimoji="1" lang="ja-JP" altLang="en-US" b="1" dirty="0"/>
+              <a:t>ゲームシステム</a:t>
+            </a:r>
+          </a:p>
+        </p:txBody>
+      </p:sp>
+      <p:pic>
+        <p:nvPicPr>
+          <p:cNvPr id="9" name="図 8">
+            <a:extLst>
+              <a:ext uri="{FF2B5EF4-FFF2-40B4-BE49-F238E27FC236}">
+                <a16:creationId xmlns:a16="http://schemas.microsoft.com/office/drawing/2014/main" id="{70E4721A-ADB3-497F-8BCB-D167513C4229}"/>
+              </a:ext>
+            </a:extLst>
+          </p:cNvPr>
+          <p:cNvPicPr>
+            <a:picLocks noChangeAspect="1"/>
+          </p:cNvPicPr>
+          <p:nvPr/>
+        </p:nvPicPr>
+        <p:blipFill>
+          <a:blip r:embed="rId2">
+            <a:extLst>
+              <a:ext uri="{28A0092B-C50C-407E-A947-70E740481C1C}">
+                <a14:useLocalDpi xmlns:a14="http://schemas.microsoft.com/office/drawing/2010/main" val="0"/>
+              </a:ext>
+            </a:extLst>
+          </a:blip>
+          <a:stretch>
+            <a:fillRect/>
+          </a:stretch>
+        </p:blipFill>
+        <p:spPr>
+          <a:xfrm>
+            <a:off x="8668603" y="2031346"/>
+            <a:ext cx="2034720" cy="3580153"/>
+          </a:xfrm>
+          <a:prstGeom prst="rect">
+            <a:avLst/>
+          </a:prstGeom>
+        </p:spPr>
+      </p:pic>
+      <p:pic>
+        <p:nvPicPr>
+          <p:cNvPr id="13" name="図 12">
+            <a:extLst>
+              <a:ext uri="{FF2B5EF4-FFF2-40B4-BE49-F238E27FC236}">
+                <a16:creationId xmlns:a16="http://schemas.microsoft.com/office/drawing/2014/main" id="{F6E0A654-42CC-4C9D-883C-C7852EC77149}"/>
+              </a:ext>
+            </a:extLst>
+          </p:cNvPr>
+          <p:cNvPicPr>
+            <a:picLocks noChangeAspect="1"/>
+          </p:cNvPicPr>
+          <p:nvPr/>
+        </p:nvPicPr>
+        <p:blipFill>
+          <a:blip r:embed="rId2">
+            <a:extLst>
+              <a:ext uri="{28A0092B-C50C-407E-A947-70E740481C1C}">
+                <a14:useLocalDpi xmlns:a14="http://schemas.microsoft.com/office/drawing/2010/main" val="0"/>
+              </a:ext>
+            </a:extLst>
+          </a:blip>
+          <a:stretch>
+            <a:fillRect/>
+          </a:stretch>
+        </p:blipFill>
+        <p:spPr>
+          <a:xfrm>
+            <a:off x="7651245" y="2756641"/>
+            <a:ext cx="2034720" cy="3580153"/>
+          </a:xfrm>
+          <a:prstGeom prst="rect">
+            <a:avLst/>
+          </a:prstGeom>
+        </p:spPr>
+      </p:pic>
+      <p:pic>
+        <p:nvPicPr>
+          <p:cNvPr id="15" name="図 14">
+            <a:extLst>
+              <a:ext uri="{FF2B5EF4-FFF2-40B4-BE49-F238E27FC236}">
+                <a16:creationId xmlns:a16="http://schemas.microsoft.com/office/drawing/2014/main" id="{56678DF2-8E81-43AC-A690-8E5B27760EB8}"/>
+              </a:ext>
+            </a:extLst>
+          </p:cNvPr>
+          <p:cNvPicPr>
+            <a:picLocks noChangeAspect="1"/>
+          </p:cNvPicPr>
+          <p:nvPr/>
+        </p:nvPicPr>
+        <p:blipFill>
+          <a:blip r:embed="rId2">
+            <a:extLst>
+              <a:ext uri="{28A0092B-C50C-407E-A947-70E740481C1C}">
+                <a14:useLocalDpi xmlns:a14="http://schemas.microsoft.com/office/drawing/2010/main" val="0"/>
+              </a:ext>
+            </a:extLst>
+          </a:blip>
+          <a:stretch>
+            <a:fillRect/>
+          </a:stretch>
+        </p:blipFill>
+        <p:spPr>
+          <a:xfrm flipH="1">
+            <a:off x="664394" y="1852053"/>
+            <a:ext cx="2034720" cy="3580153"/>
+          </a:xfrm>
+          <a:prstGeom prst="rect">
+            <a:avLst/>
+          </a:prstGeom>
+        </p:spPr>
+      </p:pic>
+      <p:pic>
+        <p:nvPicPr>
+          <p:cNvPr id="16" name="図 15">
+            <a:extLst>
+              <a:ext uri="{FF2B5EF4-FFF2-40B4-BE49-F238E27FC236}">
+                <a16:creationId xmlns:a16="http://schemas.microsoft.com/office/drawing/2014/main" id="{A58F06F7-9D63-4282-A2F7-794362CB4F85}"/>
+              </a:ext>
+            </a:extLst>
+          </p:cNvPr>
+          <p:cNvPicPr>
+            <a:picLocks noChangeAspect="1"/>
+          </p:cNvPicPr>
+          <p:nvPr/>
+        </p:nvPicPr>
+        <p:blipFill>
+          <a:blip r:embed="rId2">
+            <a:extLst>
+              <a:ext uri="{28A0092B-C50C-407E-A947-70E740481C1C}">
+                <a14:useLocalDpi xmlns:a14="http://schemas.microsoft.com/office/drawing/2010/main" val="0"/>
+              </a:ext>
+            </a:extLst>
+          </a:blip>
+          <a:stretch>
+            <a:fillRect/>
+          </a:stretch>
+        </p:blipFill>
+        <p:spPr>
+          <a:xfrm flipH="1">
+            <a:off x="1488677" y="2686176"/>
+            <a:ext cx="2034720" cy="3580153"/>
+          </a:xfrm>
+          <a:prstGeom prst="rect">
+            <a:avLst/>
+          </a:prstGeom>
+        </p:spPr>
+      </p:pic>
+      <p:pic>
+        <p:nvPicPr>
+          <p:cNvPr id="14" name="図 13">
+            <a:extLst>
+              <a:ext uri="{FF2B5EF4-FFF2-40B4-BE49-F238E27FC236}">
+                <a16:creationId xmlns:a16="http://schemas.microsoft.com/office/drawing/2014/main" id="{4F18BFBA-38D6-495D-9DF6-D4AADE87A1DF}"/>
+              </a:ext>
+            </a:extLst>
+          </p:cNvPr>
+          <p:cNvPicPr>
+            <a:picLocks noChangeAspect="1"/>
+          </p:cNvPicPr>
+          <p:nvPr/>
+        </p:nvPicPr>
+        <p:blipFill>
+          <a:blip r:embed="rId2">
+            <a:extLst>
+              <a:ext uri="{28A0092B-C50C-407E-A947-70E740481C1C}">
+                <a14:useLocalDpi xmlns:a14="http://schemas.microsoft.com/office/drawing/2010/main" val="0"/>
+              </a:ext>
+            </a:extLst>
+          </a:blip>
+          <a:stretch>
+            <a:fillRect/>
+          </a:stretch>
+        </p:blipFill>
+        <p:spPr>
+          <a:xfrm flipH="1">
+            <a:off x="-75060" y="3142123"/>
+            <a:ext cx="2034720" cy="3580153"/>
+          </a:xfrm>
+          <a:prstGeom prst="rect">
+            <a:avLst/>
+          </a:prstGeom>
+        </p:spPr>
+      </p:pic>
+      <p:pic>
+        <p:nvPicPr>
+          <p:cNvPr id="12" name="図 11">
+            <a:extLst>
+              <a:ext uri="{FF2B5EF4-FFF2-40B4-BE49-F238E27FC236}">
+                <a16:creationId xmlns:a16="http://schemas.microsoft.com/office/drawing/2014/main" id="{D392E99F-D540-40F2-B78D-3A1ECBFDCBAB}"/>
+              </a:ext>
+            </a:extLst>
+          </p:cNvPr>
+          <p:cNvPicPr>
+            <a:picLocks noChangeAspect="1"/>
+          </p:cNvPicPr>
+          <p:nvPr/>
+        </p:nvPicPr>
+        <p:blipFill>
+          <a:blip r:embed="rId2">
+            <a:extLst>
+              <a:ext uri="{28A0092B-C50C-407E-A947-70E740481C1C}">
+                <a14:useLocalDpi xmlns:a14="http://schemas.microsoft.com/office/drawing/2010/main" val="0"/>
+              </a:ext>
+            </a:extLst>
+          </a:blip>
+          <a:stretch>
+            <a:fillRect/>
+          </a:stretch>
+        </p:blipFill>
+        <p:spPr>
+          <a:xfrm>
+            <a:off x="9086132" y="3277847"/>
+            <a:ext cx="2034720" cy="3580153"/>
+          </a:xfrm>
+          <a:prstGeom prst="rect">
+            <a:avLst/>
+          </a:prstGeom>
+        </p:spPr>
+      </p:pic>
+      <p:sp>
+        <p:nvSpPr>
+          <p:cNvPr id="19" name="テキスト ボックス 18">
+            <a:extLst>
+              <a:ext uri="{FF2B5EF4-FFF2-40B4-BE49-F238E27FC236}">
+                <a16:creationId xmlns:a16="http://schemas.microsoft.com/office/drawing/2014/main" id="{9C62EB34-F935-4583-81D8-E9A7A119D413}"/>
+              </a:ext>
+            </a:extLst>
+          </p:cNvPr>
+          <p:cNvSpPr txBox="1"/>
+          <p:nvPr/>
+        </p:nvSpPr>
+        <p:spPr>
+          <a:xfrm>
+            <a:off x="3288786" y="1690688"/>
+            <a:ext cx="4805808" cy="707886"/>
+          </a:xfrm>
+          <a:prstGeom prst="rect">
+            <a:avLst/>
+          </a:prstGeom>
+          <a:noFill/>
+        </p:spPr>
+        <p:txBody>
+          <a:bodyPr wrap="square" rtlCol="0">
+            <a:spAutoFit/>
+          </a:bodyPr>
+          <a:lstStyle/>
+          <a:p>
+            <a:r>
+              <a:rPr lang="ja-JP" altLang="en-US" sz="4000" b="1" dirty="0"/>
+              <a:t>３対３のチーム戦</a:t>
+            </a:r>
+            <a:endParaRPr kumimoji="1" lang="ja-JP" altLang="en-US" sz="4000" b="1" dirty="0"/>
+          </a:p>
+        </p:txBody>
+      </p:sp>
+      <p:pic>
+        <p:nvPicPr>
+          <p:cNvPr id="26" name="図 25">
+            <a:extLst>
+              <a:ext uri="{FF2B5EF4-FFF2-40B4-BE49-F238E27FC236}">
+                <a16:creationId xmlns:a16="http://schemas.microsoft.com/office/drawing/2014/main" id="{12B09C23-7AC2-48EA-9902-012B01C0F065}"/>
+              </a:ext>
+            </a:extLst>
+          </p:cNvPr>
+          <p:cNvPicPr>
+            <a:picLocks noChangeAspect="1"/>
+          </p:cNvPicPr>
+          <p:nvPr/>
+        </p:nvPicPr>
+        <p:blipFill>
+          <a:blip r:embed="rId3">
+            <a:extLst>
+              <a:ext uri="{28A0092B-C50C-407E-A947-70E740481C1C}">
+                <a14:useLocalDpi xmlns:a14="http://schemas.microsoft.com/office/drawing/2010/main" val="0"/>
+              </a:ext>
+            </a:extLst>
+          </a:blip>
+          <a:stretch>
+            <a:fillRect/>
+          </a:stretch>
+        </p:blipFill>
+        <p:spPr>
+          <a:xfrm>
+            <a:off x="2524923" y="2295793"/>
+            <a:ext cx="748200" cy="921695"/>
+          </a:xfrm>
+          <a:prstGeom prst="rect">
+            <a:avLst/>
+          </a:prstGeom>
+        </p:spPr>
+      </p:pic>
+      <p:pic>
+        <p:nvPicPr>
+          <p:cNvPr id="27" name="図 26">
+            <a:extLst>
+              <a:ext uri="{FF2B5EF4-FFF2-40B4-BE49-F238E27FC236}">
+                <a16:creationId xmlns:a16="http://schemas.microsoft.com/office/drawing/2014/main" id="{2DFBD918-78A5-4EE9-A991-99970FB7A486}"/>
+              </a:ext>
+            </a:extLst>
+          </p:cNvPr>
+          <p:cNvPicPr>
+            <a:picLocks noChangeAspect="1"/>
+          </p:cNvPicPr>
+          <p:nvPr/>
+        </p:nvPicPr>
+        <p:blipFill>
+          <a:blip r:embed="rId3">
+            <a:extLst>
+              <a:ext uri="{28A0092B-C50C-407E-A947-70E740481C1C}">
+                <a14:useLocalDpi xmlns:a14="http://schemas.microsoft.com/office/drawing/2010/main" val="0"/>
+              </a:ext>
+            </a:extLst>
+          </a:blip>
+          <a:stretch>
+            <a:fillRect/>
+          </a:stretch>
+        </p:blipFill>
+        <p:spPr>
+          <a:xfrm>
+            <a:off x="5885687" y="3821422"/>
+            <a:ext cx="748200" cy="921695"/>
+          </a:xfrm>
+          <a:prstGeom prst="rect">
+            <a:avLst/>
+          </a:prstGeom>
+        </p:spPr>
+      </p:pic>
+      <p:pic>
+        <p:nvPicPr>
+          <p:cNvPr id="28" name="図 27">
+            <a:extLst>
+              <a:ext uri="{FF2B5EF4-FFF2-40B4-BE49-F238E27FC236}">
+                <a16:creationId xmlns:a16="http://schemas.microsoft.com/office/drawing/2014/main" id="{40939EA7-D1DE-405E-AF0B-983D1A6A723E}"/>
+              </a:ext>
+            </a:extLst>
+          </p:cNvPr>
+          <p:cNvPicPr>
+            <a:picLocks noChangeAspect="1"/>
+          </p:cNvPicPr>
+          <p:nvPr/>
+        </p:nvPicPr>
+        <p:blipFill>
+          <a:blip r:embed="rId3">
+            <a:extLst>
+              <a:ext uri="{28A0092B-C50C-407E-A947-70E740481C1C}">
+                <a14:useLocalDpi xmlns:a14="http://schemas.microsoft.com/office/drawing/2010/main" val="0"/>
+              </a:ext>
+            </a:extLst>
+          </a:blip>
+          <a:stretch>
+            <a:fillRect/>
+          </a:stretch>
+        </p:blipFill>
+        <p:spPr>
+          <a:xfrm>
+            <a:off x="5477242" y="2632862"/>
+            <a:ext cx="748200" cy="921695"/>
+          </a:xfrm>
+          <a:prstGeom prst="rect">
+            <a:avLst/>
+          </a:prstGeom>
+        </p:spPr>
+      </p:pic>
+      <p:pic>
+        <p:nvPicPr>
+          <p:cNvPr id="29" name="図 28">
+            <a:extLst>
+              <a:ext uri="{FF2B5EF4-FFF2-40B4-BE49-F238E27FC236}">
+                <a16:creationId xmlns:a16="http://schemas.microsoft.com/office/drawing/2014/main" id="{3257B25A-2A20-4291-8504-8995C0B4686F}"/>
+              </a:ext>
+            </a:extLst>
+          </p:cNvPr>
+          <p:cNvPicPr>
+            <a:picLocks noChangeAspect="1"/>
+          </p:cNvPicPr>
+          <p:nvPr/>
+        </p:nvPicPr>
+        <p:blipFill>
+          <a:blip r:embed="rId3">
+            <a:extLst>
+              <a:ext uri="{28A0092B-C50C-407E-A947-70E740481C1C}">
+                <a14:useLocalDpi xmlns:a14="http://schemas.microsoft.com/office/drawing/2010/main" val="0"/>
+              </a:ext>
+            </a:extLst>
+          </a:blip>
+          <a:stretch>
+            <a:fillRect/>
+          </a:stretch>
+        </p:blipFill>
+        <p:spPr>
+          <a:xfrm>
+            <a:off x="8044229" y="2451971"/>
+            <a:ext cx="748200" cy="921695"/>
+          </a:xfrm>
+          <a:prstGeom prst="rect">
+            <a:avLst/>
+          </a:prstGeom>
+        </p:spPr>
+      </p:pic>
+      <p:pic>
+        <p:nvPicPr>
+          <p:cNvPr id="30" name="図 29">
+            <a:extLst>
+              <a:ext uri="{FF2B5EF4-FFF2-40B4-BE49-F238E27FC236}">
+                <a16:creationId xmlns:a16="http://schemas.microsoft.com/office/drawing/2014/main" id="{15DF2C88-C2D1-4F77-B3C1-677AFCCCA3C0}"/>
+              </a:ext>
+            </a:extLst>
+          </p:cNvPr>
+          <p:cNvPicPr>
+            <a:picLocks noChangeAspect="1"/>
+          </p:cNvPicPr>
+          <p:nvPr/>
+        </p:nvPicPr>
+        <p:blipFill>
+          <a:blip r:embed="rId3">
+            <a:extLst>
+              <a:ext uri="{28A0092B-C50C-407E-A947-70E740481C1C}">
+                <a14:useLocalDpi xmlns:a14="http://schemas.microsoft.com/office/drawing/2010/main" val="0"/>
+              </a:ext>
+            </a:extLst>
+          </a:blip>
+          <a:stretch>
+            <a:fillRect/>
+          </a:stretch>
+        </p:blipFill>
+        <p:spPr>
+          <a:xfrm>
+            <a:off x="3378364" y="3554557"/>
+            <a:ext cx="748200" cy="921695"/>
+          </a:xfrm>
+          <a:prstGeom prst="rect">
+            <a:avLst/>
+          </a:prstGeom>
+        </p:spPr>
+      </p:pic>
+      <p:pic>
+        <p:nvPicPr>
+          <p:cNvPr id="31" name="図 30">
+            <a:extLst>
+              <a:ext uri="{FF2B5EF4-FFF2-40B4-BE49-F238E27FC236}">
+                <a16:creationId xmlns:a16="http://schemas.microsoft.com/office/drawing/2014/main" id="{1C3AB10D-6860-43FE-BBD4-24D5CBF348FF}"/>
+              </a:ext>
+            </a:extLst>
+          </p:cNvPr>
+          <p:cNvPicPr>
+            <a:picLocks noChangeAspect="1"/>
+          </p:cNvPicPr>
+          <p:nvPr/>
+        </p:nvPicPr>
+        <p:blipFill>
+          <a:blip r:embed="rId3">
+            <a:extLst>
+              <a:ext uri="{28A0092B-C50C-407E-A947-70E740481C1C}">
+                <a14:useLocalDpi xmlns:a14="http://schemas.microsoft.com/office/drawing/2010/main" val="0"/>
+              </a:ext>
+            </a:extLst>
+          </a:blip>
+          <a:stretch>
+            <a:fillRect/>
+          </a:stretch>
+        </p:blipFill>
+        <p:spPr>
+          <a:xfrm>
+            <a:off x="8466782" y="4146228"/>
+            <a:ext cx="748200" cy="921695"/>
+          </a:xfrm>
+          <a:prstGeom prst="rect">
+            <a:avLst/>
+          </a:prstGeom>
+        </p:spPr>
+      </p:pic>
+      <p:sp>
+        <p:nvSpPr>
+          <p:cNvPr id="34" name="テキスト ボックス 33">
+            <a:extLst>
+              <a:ext uri="{FF2B5EF4-FFF2-40B4-BE49-F238E27FC236}">
+                <a16:creationId xmlns:a16="http://schemas.microsoft.com/office/drawing/2014/main" id="{5CD0073D-7D45-4217-901A-EC85DB04DAAC}"/>
+              </a:ext>
+            </a:extLst>
+          </p:cNvPr>
+          <p:cNvSpPr txBox="1"/>
+          <p:nvPr/>
+        </p:nvSpPr>
+        <p:spPr>
+          <a:xfrm>
+            <a:off x="512898" y="3425765"/>
+            <a:ext cx="1006351" cy="276710"/>
+          </a:xfrm>
+          <a:prstGeom prst="rect">
+            <a:avLst/>
+          </a:prstGeom>
+          <a:noFill/>
+        </p:spPr>
+        <p:txBody>
+          <a:bodyPr wrap="square" rtlCol="0">
+            <a:spAutoFit/>
+          </a:bodyPr>
+          <a:lstStyle/>
+          <a:p>
+            <a:r>
+              <a:rPr lang="ja-JP" altLang="en-US" sz="1200" b="1" dirty="0">
+                <a:solidFill>
+                  <a:srgbClr val="FF0000"/>
+                </a:solidFill>
+                <a:latin typeface="Arial Black" panose="020B0A04020102020204" pitchFamily="34" charset="0"/>
+              </a:rPr>
+              <a:t>プレイヤー</a:t>
+            </a:r>
+            <a:endParaRPr kumimoji="1" lang="ja-JP" altLang="en-US" sz="1200" b="1" dirty="0">
+              <a:solidFill>
+                <a:srgbClr val="FF0000"/>
+              </a:solidFill>
+              <a:latin typeface="Arial Black" panose="020B0A04020102020204" pitchFamily="34" charset="0"/>
+            </a:endParaRPr>
+          </a:p>
+        </p:txBody>
+      </p:sp>
+      <p:sp>
+        <p:nvSpPr>
+          <p:cNvPr id="35" name="テキスト ボックス 34">
+            <a:extLst>
+              <a:ext uri="{FF2B5EF4-FFF2-40B4-BE49-F238E27FC236}">
+                <a16:creationId xmlns:a16="http://schemas.microsoft.com/office/drawing/2014/main" id="{E271513F-92E8-4144-914F-CBA4205A6D23}"/>
+              </a:ext>
+            </a:extLst>
+          </p:cNvPr>
+          <p:cNvSpPr txBox="1"/>
+          <p:nvPr/>
+        </p:nvSpPr>
+        <p:spPr>
+          <a:xfrm>
+            <a:off x="1475348" y="2141904"/>
+            <a:ext cx="588145" cy="307777"/>
+          </a:xfrm>
+          <a:prstGeom prst="rect">
+            <a:avLst/>
+          </a:prstGeom>
+          <a:noFill/>
+        </p:spPr>
+        <p:txBody>
+          <a:bodyPr wrap="square" rtlCol="0">
+            <a:spAutoFit/>
+          </a:bodyPr>
+          <a:lstStyle/>
+          <a:p>
+            <a:r>
+              <a:rPr lang="en-US" altLang="ja-JP" sz="1400" b="1" dirty="0"/>
+              <a:t>NPC</a:t>
+            </a:r>
+            <a:endParaRPr kumimoji="1" lang="ja-JP" altLang="en-US" sz="1400" b="1" dirty="0"/>
+          </a:p>
+        </p:txBody>
+      </p:sp>
+      <p:sp>
+        <p:nvSpPr>
+          <p:cNvPr id="41" name="テキスト ボックス 40">
+            <a:extLst>
+              <a:ext uri="{FF2B5EF4-FFF2-40B4-BE49-F238E27FC236}">
+                <a16:creationId xmlns:a16="http://schemas.microsoft.com/office/drawing/2014/main" id="{F12C24D7-EDD6-4792-AE45-A4B3DCA00ED3}"/>
+              </a:ext>
+            </a:extLst>
+          </p:cNvPr>
+          <p:cNvSpPr txBox="1"/>
+          <p:nvPr/>
+        </p:nvSpPr>
+        <p:spPr>
+          <a:xfrm>
+            <a:off x="2229038" y="2983796"/>
+            <a:ext cx="588145" cy="307777"/>
+          </a:xfrm>
+          <a:prstGeom prst="rect">
+            <a:avLst/>
+          </a:prstGeom>
+          <a:noFill/>
+        </p:spPr>
+        <p:txBody>
+          <a:bodyPr wrap="square" rtlCol="0">
+            <a:spAutoFit/>
+          </a:bodyPr>
+          <a:lstStyle/>
+          <a:p>
+            <a:r>
+              <a:rPr lang="en-US" altLang="ja-JP" sz="1400" b="1" dirty="0"/>
+              <a:t>NPC</a:t>
+            </a:r>
+            <a:endParaRPr kumimoji="1" lang="ja-JP" altLang="en-US" sz="1400" b="1" dirty="0"/>
+          </a:p>
+        </p:txBody>
+      </p:sp>
+      <p:sp>
+        <p:nvSpPr>
+          <p:cNvPr id="42" name="テキスト ボックス 41">
+            <a:extLst>
+              <a:ext uri="{FF2B5EF4-FFF2-40B4-BE49-F238E27FC236}">
+                <a16:creationId xmlns:a16="http://schemas.microsoft.com/office/drawing/2014/main" id="{882481FF-1DFA-49A4-BFE4-0575AC66700C}"/>
+              </a:ext>
+            </a:extLst>
+          </p:cNvPr>
+          <p:cNvSpPr txBox="1"/>
+          <p:nvPr/>
+        </p:nvSpPr>
+        <p:spPr>
+          <a:xfrm>
+            <a:off x="8376563" y="3081102"/>
+            <a:ext cx="588145" cy="307777"/>
+          </a:xfrm>
+          <a:prstGeom prst="rect">
+            <a:avLst/>
+          </a:prstGeom>
+          <a:noFill/>
+        </p:spPr>
+        <p:txBody>
+          <a:bodyPr wrap="square" rtlCol="0">
+            <a:spAutoFit/>
+          </a:bodyPr>
+          <a:lstStyle/>
+          <a:p>
+            <a:r>
+              <a:rPr lang="en-US" altLang="ja-JP" sz="1400" b="1" dirty="0"/>
+              <a:t>NPC</a:t>
+            </a:r>
+            <a:endParaRPr kumimoji="1" lang="ja-JP" altLang="en-US" sz="1400" b="1" dirty="0"/>
+          </a:p>
+        </p:txBody>
+      </p:sp>
+      <p:sp>
+        <p:nvSpPr>
+          <p:cNvPr id="43" name="テキスト ボックス 42">
+            <a:extLst>
+              <a:ext uri="{FF2B5EF4-FFF2-40B4-BE49-F238E27FC236}">
+                <a16:creationId xmlns:a16="http://schemas.microsoft.com/office/drawing/2014/main" id="{6741241D-EEAA-409D-B0E7-5187B8E0684F}"/>
+              </a:ext>
+            </a:extLst>
+          </p:cNvPr>
+          <p:cNvSpPr txBox="1"/>
+          <p:nvPr/>
+        </p:nvSpPr>
+        <p:spPr>
+          <a:xfrm>
+            <a:off x="9810592" y="3640860"/>
+            <a:ext cx="588145" cy="307777"/>
+          </a:xfrm>
+          <a:prstGeom prst="rect">
+            <a:avLst/>
+          </a:prstGeom>
+          <a:noFill/>
+        </p:spPr>
+        <p:txBody>
+          <a:bodyPr wrap="square" rtlCol="0">
+            <a:spAutoFit/>
+          </a:bodyPr>
+          <a:lstStyle/>
+          <a:p>
+            <a:r>
+              <a:rPr lang="en-US" altLang="ja-JP" sz="1400" b="1" dirty="0"/>
+              <a:t>NPC</a:t>
+            </a:r>
+            <a:endParaRPr kumimoji="1" lang="ja-JP" altLang="en-US" sz="1400" b="1" dirty="0"/>
+          </a:p>
+        </p:txBody>
+      </p:sp>
+      <p:sp>
+        <p:nvSpPr>
+          <p:cNvPr id="44" name="テキスト ボックス 43">
+            <a:extLst>
+              <a:ext uri="{FF2B5EF4-FFF2-40B4-BE49-F238E27FC236}">
+                <a16:creationId xmlns:a16="http://schemas.microsoft.com/office/drawing/2014/main" id="{4C3ECBAB-11AB-42FA-91D2-3BADB0CC8A8B}"/>
+              </a:ext>
+            </a:extLst>
+          </p:cNvPr>
+          <p:cNvSpPr txBox="1"/>
+          <p:nvPr/>
+        </p:nvSpPr>
+        <p:spPr>
+          <a:xfrm>
+            <a:off x="9391890" y="2330379"/>
+            <a:ext cx="588145" cy="307777"/>
+          </a:xfrm>
+          <a:prstGeom prst="rect">
+            <a:avLst/>
+          </a:prstGeom>
+          <a:noFill/>
+        </p:spPr>
+        <p:txBody>
+          <a:bodyPr wrap="square" rtlCol="0">
+            <a:spAutoFit/>
+          </a:bodyPr>
+          <a:lstStyle/>
+          <a:p>
+            <a:r>
+              <a:rPr lang="en-US" altLang="ja-JP" sz="1400" b="1" dirty="0"/>
+              <a:t>NPC</a:t>
+            </a:r>
+            <a:endParaRPr kumimoji="1" lang="ja-JP" altLang="en-US" sz="1400" b="1" dirty="0"/>
+          </a:p>
+        </p:txBody>
+      </p:sp>
+    </p:spTree>
+    <p:extLst>
+      <p:ext uri="{BB962C8B-B14F-4D97-AF65-F5344CB8AC3E}">
+        <p14:creationId xmlns:p14="http://schemas.microsoft.com/office/powerpoint/2010/main" val="2446578902"/>
+      </p:ext>
+    </p:extLst>
+  </p:cSld>
+  <p:clrMapOvr>
+    <a:masterClrMapping/>
+  </p:clrMapOvr>
+</p:sld>
+</file>
+
+<file path=ppt/slides/slide5.xml><?xml version="1.0" encoding="utf-8"?>
+<p:sld xmlns:a="http://schemas.openxmlformats.org/drawingml/2006/main" xmlns:r="http://schemas.openxmlformats.org/officeDocument/2006/relationships" xmlns:p="http://schemas.openxmlformats.org/presentationml/2006/main">
+  <p:cSld>
+    <p:spTree>
+      <p:nvGrpSpPr>
+        <p:cNvPr id="1" name=""/>
+        <p:cNvGrpSpPr/>
+        <p:nvPr/>
+      </p:nvGrpSpPr>
+      <p:grpSpPr>
+        <a:xfrm>
+          <a:off x="0" y="0"/>
+          <a:ext cx="0" cy="0"/>
+          <a:chOff x="0" y="0"/>
+          <a:chExt cx="0" cy="0"/>
+        </a:xfrm>
+      </p:grpSpPr>
+      <p:sp>
+        <p:nvSpPr>
+          <p:cNvPr id="2" name="タイトル 1">
+            <a:extLst>
+              <a:ext uri="{FF2B5EF4-FFF2-40B4-BE49-F238E27FC236}">
+                <a16:creationId xmlns:a16="http://schemas.microsoft.com/office/drawing/2014/main" id="{355875D1-4282-4D70-9FBE-69199173C734}"/>
+              </a:ext>
+            </a:extLst>
+          </p:cNvPr>
+          <p:cNvSpPr>
+            <a:spLocks noGrp="1"/>
+          </p:cNvSpPr>
+          <p:nvPr>
+            <p:ph type="title"/>
+          </p:nvPr>
+        </p:nvSpPr>
+        <p:spPr/>
+        <p:txBody>
+          <a:bodyPr/>
+          <a:lstStyle/>
+          <a:p>
+            <a:r>
+              <a:rPr kumimoji="1" lang="ja-JP" altLang="en-US" b="1" dirty="0"/>
+              <a:t>ゲームシステム</a:t>
+            </a:r>
+          </a:p>
+        </p:txBody>
+      </p:sp>
+      <p:pic>
+        <p:nvPicPr>
+          <p:cNvPr id="9" name="図 8">
+            <a:extLst>
+              <a:ext uri="{FF2B5EF4-FFF2-40B4-BE49-F238E27FC236}">
+                <a16:creationId xmlns:a16="http://schemas.microsoft.com/office/drawing/2014/main" id="{525ABBE3-DC00-4511-A326-DAC268D4FDA0}"/>
+              </a:ext>
+            </a:extLst>
+          </p:cNvPr>
+          <p:cNvPicPr>
+            <a:picLocks noChangeAspect="1"/>
+          </p:cNvPicPr>
+          <p:nvPr/>
+        </p:nvPicPr>
+        <p:blipFill>
+          <a:blip r:embed="rId2">
+            <a:extLst>
+              <a:ext uri="{28A0092B-C50C-407E-A947-70E740481C1C}">
+                <a14:useLocalDpi xmlns:a14="http://schemas.microsoft.com/office/drawing/2010/main" val="0"/>
+              </a:ext>
+            </a:extLst>
+          </a:blip>
+          <a:stretch>
+            <a:fillRect/>
+          </a:stretch>
+        </p:blipFill>
+        <p:spPr>
+          <a:xfrm>
+            <a:off x="1976719" y="2482968"/>
+            <a:ext cx="2539682" cy="1892063"/>
+          </a:xfrm>
+          <a:prstGeom prst="rect">
+            <a:avLst/>
+          </a:prstGeom>
+        </p:spPr>
+      </p:pic>
+      <p:pic>
+        <p:nvPicPr>
+          <p:cNvPr id="11" name="図 10">
+            <a:extLst>
+              <a:ext uri="{FF2B5EF4-FFF2-40B4-BE49-F238E27FC236}">
+                <a16:creationId xmlns:a16="http://schemas.microsoft.com/office/drawing/2014/main" id="{6325B800-A526-4ABA-BB40-4BE0B9CBBC2A}"/>
+              </a:ext>
+            </a:extLst>
+          </p:cNvPr>
+          <p:cNvPicPr>
+            <a:picLocks noChangeAspect="1"/>
+          </p:cNvPicPr>
+          <p:nvPr/>
+        </p:nvPicPr>
+        <p:blipFill>
+          <a:blip r:embed="rId2">
+            <a:extLst>
+              <a:ext uri="{28A0092B-C50C-407E-A947-70E740481C1C}">
+                <a14:useLocalDpi xmlns:a14="http://schemas.microsoft.com/office/drawing/2010/main" val="0"/>
+              </a:ext>
+            </a:extLst>
+          </a:blip>
+          <a:stretch>
+            <a:fillRect/>
+          </a:stretch>
+        </p:blipFill>
+        <p:spPr>
+          <a:xfrm>
+            <a:off x="838200" y="3635189"/>
+            <a:ext cx="2539682" cy="1892063"/>
+          </a:xfrm>
+          <a:prstGeom prst="rect">
+            <a:avLst/>
+          </a:prstGeom>
+        </p:spPr>
+      </p:pic>
+      <p:pic>
+        <p:nvPicPr>
+          <p:cNvPr id="12" name="図 11">
+            <a:extLst>
+              <a:ext uri="{FF2B5EF4-FFF2-40B4-BE49-F238E27FC236}">
+                <a16:creationId xmlns:a16="http://schemas.microsoft.com/office/drawing/2014/main" id="{EFE162BF-564D-4F99-AB1F-8970D4391E74}"/>
+              </a:ext>
+            </a:extLst>
+          </p:cNvPr>
+          <p:cNvPicPr>
+            <a:picLocks noChangeAspect="1"/>
+          </p:cNvPicPr>
+          <p:nvPr/>
+        </p:nvPicPr>
+        <p:blipFill>
+          <a:blip r:embed="rId2">
+            <a:extLst>
+              <a:ext uri="{28A0092B-C50C-407E-A947-70E740481C1C}">
+                <a14:useLocalDpi xmlns:a14="http://schemas.microsoft.com/office/drawing/2010/main" val="0"/>
+              </a:ext>
+            </a:extLst>
+          </a:blip>
+          <a:stretch>
+            <a:fillRect/>
+          </a:stretch>
+        </p:blipFill>
+        <p:spPr>
+          <a:xfrm>
+            <a:off x="2451849" y="3635189"/>
+            <a:ext cx="2539682" cy="1892063"/>
+          </a:xfrm>
+          <a:prstGeom prst="rect">
+            <a:avLst/>
+          </a:prstGeom>
+        </p:spPr>
+      </p:pic>
+      <p:pic>
+        <p:nvPicPr>
+          <p:cNvPr id="16" name="図 15">
+            <a:extLst>
+              <a:ext uri="{FF2B5EF4-FFF2-40B4-BE49-F238E27FC236}">
+                <a16:creationId xmlns:a16="http://schemas.microsoft.com/office/drawing/2014/main" id="{CB5FEF2D-A159-4A01-9E68-D4D11222462E}"/>
+              </a:ext>
+            </a:extLst>
+          </p:cNvPr>
+          <p:cNvPicPr>
+            <a:picLocks noChangeAspect="1"/>
+          </p:cNvPicPr>
+          <p:nvPr/>
+        </p:nvPicPr>
+        <p:blipFill>
+          <a:blip r:embed="rId3">
+            <a:extLst>
+              <a:ext uri="{28A0092B-C50C-407E-A947-70E740481C1C}">
+                <a14:useLocalDpi xmlns:a14="http://schemas.microsoft.com/office/drawing/2010/main" val="0"/>
+              </a:ext>
+            </a:extLst>
+          </a:blip>
+          <a:stretch>
+            <a:fillRect/>
+          </a:stretch>
+        </p:blipFill>
+        <p:spPr>
+          <a:xfrm>
+            <a:off x="5466661" y="2037312"/>
+            <a:ext cx="2657206" cy="4675437"/>
+          </a:xfrm>
+          <a:prstGeom prst="rect">
+            <a:avLst/>
+          </a:prstGeom>
+        </p:spPr>
+      </p:pic>
+      <p:pic>
+        <p:nvPicPr>
+          <p:cNvPr id="14" name="図 13">
+            <a:extLst>
+              <a:ext uri="{FF2B5EF4-FFF2-40B4-BE49-F238E27FC236}">
+                <a16:creationId xmlns:a16="http://schemas.microsoft.com/office/drawing/2014/main" id="{BAED67E5-D24A-41E3-BE5F-E60AD1D6610C}"/>
+              </a:ext>
+            </a:extLst>
+          </p:cNvPr>
+          <p:cNvPicPr>
+            <a:picLocks noChangeAspect="1"/>
+          </p:cNvPicPr>
+          <p:nvPr/>
+        </p:nvPicPr>
+        <p:blipFill>
+          <a:blip r:embed="rId4">
+            <a:extLst>
+              <a:ext uri="{28A0092B-C50C-407E-A947-70E740481C1C}">
+                <a14:useLocalDpi xmlns:a14="http://schemas.microsoft.com/office/drawing/2010/main" val="0"/>
+              </a:ext>
+            </a:extLst>
+          </a:blip>
+          <a:stretch>
+            <a:fillRect/>
+          </a:stretch>
+        </p:blipFill>
+        <p:spPr>
+          <a:xfrm rot="782262">
+            <a:off x="7280006" y="3001738"/>
+            <a:ext cx="1963692" cy="1994800"/>
+          </a:xfrm>
+          <a:prstGeom prst="rect">
+            <a:avLst/>
+          </a:prstGeom>
+        </p:spPr>
+      </p:pic>
+      <p:sp>
+        <p:nvSpPr>
+          <p:cNvPr id="17" name="テキスト ボックス 16">
+            <a:extLst>
+              <a:ext uri="{FF2B5EF4-FFF2-40B4-BE49-F238E27FC236}">
+                <a16:creationId xmlns:a16="http://schemas.microsoft.com/office/drawing/2014/main" id="{39312285-33DA-4AC8-900E-42E182FA2CC9}"/>
+              </a:ext>
+            </a:extLst>
+          </p:cNvPr>
+          <p:cNvSpPr txBox="1"/>
+          <p:nvPr/>
+        </p:nvSpPr>
+        <p:spPr>
+          <a:xfrm>
+            <a:off x="2613718" y="1564054"/>
+            <a:ext cx="7109012" cy="830997"/>
+          </a:xfrm>
+          <a:prstGeom prst="rect">
+            <a:avLst/>
+          </a:prstGeom>
+          <a:noFill/>
+        </p:spPr>
+        <p:txBody>
+          <a:bodyPr wrap="square" rtlCol="0">
+            <a:spAutoFit/>
+          </a:bodyPr>
+          <a:lstStyle/>
+          <a:p>
+            <a:r>
+              <a:rPr lang="ja-JP" altLang="en-US" sz="2400" b="1" dirty="0">
+                <a:solidFill>
+                  <a:srgbClr val="FF0000"/>
+                </a:solidFill>
+              </a:rPr>
+              <a:t>味方が全員敵の攻撃に当たる</a:t>
+            </a:r>
+            <a:r>
+              <a:rPr lang="ja-JP" altLang="en-US" sz="2400" b="1" dirty="0"/>
+              <a:t>か</a:t>
+            </a:r>
+            <a:endParaRPr lang="en-US" altLang="ja-JP" sz="2400" b="1" dirty="0"/>
+          </a:p>
+          <a:p>
+            <a:r>
+              <a:rPr lang="ja-JP" altLang="en-US" sz="2400" b="1" dirty="0">
+                <a:solidFill>
+                  <a:srgbClr val="FF0000"/>
+                </a:solidFill>
+              </a:rPr>
+              <a:t>自陣のフラッグを取られたら</a:t>
+            </a:r>
+            <a:r>
+              <a:rPr lang="ja-JP" altLang="en-US" sz="2400" b="1" dirty="0"/>
+              <a:t>ゲームオーバー</a:t>
+            </a:r>
+            <a:endParaRPr kumimoji="1" lang="ja-JP" altLang="en-US" sz="2400" b="1" dirty="0"/>
+          </a:p>
+        </p:txBody>
+      </p:sp>
+      <p:sp>
+        <p:nvSpPr>
+          <p:cNvPr id="19" name="吹き出し: 円形 18">
+            <a:extLst>
+              <a:ext uri="{FF2B5EF4-FFF2-40B4-BE49-F238E27FC236}">
+                <a16:creationId xmlns:a16="http://schemas.microsoft.com/office/drawing/2014/main" id="{6D8C8DEB-1B9F-41DC-B60C-114C369F0F6C}"/>
+              </a:ext>
+            </a:extLst>
+          </p:cNvPr>
+          <p:cNvSpPr/>
+          <p:nvPr/>
+        </p:nvSpPr>
+        <p:spPr>
+          <a:xfrm>
+            <a:off x="8784458" y="2131782"/>
+            <a:ext cx="2474259" cy="1044389"/>
+          </a:xfrm>
+          <a:prstGeom prst="wedgeEllipseCallout">
+            <a:avLst>
+              <a:gd name="adj1" fmla="val -70833"/>
+              <a:gd name="adj2" fmla="val 49624"/>
+            </a:avLst>
+          </a:prstGeom>
+        </p:spPr>
+        <p:style>
+          <a:lnRef idx="2">
+            <a:schemeClr val="dk1"/>
+          </a:lnRef>
+          <a:fillRef idx="1">
+            <a:schemeClr val="lt1"/>
+          </a:fillRef>
+          <a:effectRef idx="0">
+            <a:schemeClr val="dk1"/>
+          </a:effectRef>
+          <a:fontRef idx="minor">
+            <a:schemeClr val="dk1"/>
+          </a:fontRef>
+        </p:style>
+        <p:txBody>
+          <a:bodyPr rtlCol="0" anchor="ctr"/>
+          <a:lstStyle/>
+          <a:p>
+            <a:pPr algn="ctr"/>
+            <a:endParaRPr kumimoji="1" lang="ja-JP" altLang="en-US"/>
+          </a:p>
+        </p:txBody>
+      </p:sp>
+      <p:sp>
+        <p:nvSpPr>
+          <p:cNvPr id="20" name="テキスト ボックス 19">
+            <a:extLst>
+              <a:ext uri="{FF2B5EF4-FFF2-40B4-BE49-F238E27FC236}">
+                <a16:creationId xmlns:a16="http://schemas.microsoft.com/office/drawing/2014/main" id="{AA2117BF-C70B-4C13-B151-710A8DDF355B}"/>
+              </a:ext>
+            </a:extLst>
+          </p:cNvPr>
+          <p:cNvSpPr txBox="1"/>
+          <p:nvPr/>
+        </p:nvSpPr>
+        <p:spPr>
+          <a:xfrm>
+            <a:off x="8895633" y="2307234"/>
+            <a:ext cx="2363084" cy="707886"/>
+          </a:xfrm>
+          <a:prstGeom prst="rect">
+            <a:avLst/>
+          </a:prstGeom>
+          <a:noFill/>
+        </p:spPr>
+        <p:txBody>
+          <a:bodyPr wrap="square" rtlCol="0">
+            <a:spAutoFit/>
+          </a:bodyPr>
+          <a:lstStyle/>
+          <a:p>
+            <a:r>
+              <a:rPr kumimoji="1" lang="ja-JP" altLang="en-US" sz="4000"/>
+              <a:t>やった！</a:t>
+            </a:r>
+            <a:endParaRPr kumimoji="1" lang="ja-JP" altLang="en-US" sz="4000" dirty="0"/>
+          </a:p>
+        </p:txBody>
+      </p:sp>
+    </p:spTree>
+    <p:extLst>
+      <p:ext uri="{BB962C8B-B14F-4D97-AF65-F5344CB8AC3E}">
+        <p14:creationId xmlns:p14="http://schemas.microsoft.com/office/powerpoint/2010/main" val="1042251639"/>
+      </p:ext>
+    </p:extLst>
+  </p:cSld>
+  <p:clrMapOvr>
+    <a:masterClrMapping/>
+  </p:clrMapOvr>
+</p:sld>
+</file>
+
+<file path=ppt/slides/slide6.xml><?xml version="1.0" encoding="utf-8"?>
 <p:sld xmlns:a="http://schemas.openxmlformats.org/drawingml/2006/main" xmlns:r="http://schemas.openxmlformats.org/officeDocument/2006/relationships" xmlns:p="http://schemas.openxmlformats.org/presentationml/2006/main">
   <p:cSld>
     <p:spTree>
@@ -4793,1138 +5925,6 @@
     <p:extLst>
       <p:ext uri="{BB962C8B-B14F-4D97-AF65-F5344CB8AC3E}">
         <p14:creationId xmlns:p14="http://schemas.microsoft.com/office/powerpoint/2010/main" val="3910438034"/>
-      </p:ext>
-    </p:extLst>
-  </p:cSld>
-  <p:clrMapOvr>
-    <a:masterClrMapping/>
-  </p:clrMapOvr>
-</p:sld>
-</file>
-
-<file path=ppt/slides/slide5.xml><?xml version="1.0" encoding="utf-8"?>
-<p:sld xmlns:a="http://schemas.openxmlformats.org/drawingml/2006/main" xmlns:r="http://schemas.openxmlformats.org/officeDocument/2006/relationships" xmlns:p="http://schemas.openxmlformats.org/presentationml/2006/main">
-  <p:cSld>
-    <p:spTree>
-      <p:nvGrpSpPr>
-        <p:cNvPr id="1" name=""/>
-        <p:cNvGrpSpPr/>
-        <p:nvPr/>
-      </p:nvGrpSpPr>
-      <p:grpSpPr>
-        <a:xfrm>
-          <a:off x="0" y="0"/>
-          <a:ext cx="0" cy="0"/>
-          <a:chOff x="0" y="0"/>
-          <a:chExt cx="0" cy="0"/>
-        </a:xfrm>
-      </p:grpSpPr>
-      <p:sp>
-        <p:nvSpPr>
-          <p:cNvPr id="2" name="タイトル 1">
-            <a:extLst>
-              <a:ext uri="{FF2B5EF4-FFF2-40B4-BE49-F238E27FC236}">
-                <a16:creationId xmlns:a16="http://schemas.microsoft.com/office/drawing/2014/main" id="{FF231320-5853-4108-87AD-88E75042ABBD}"/>
-              </a:ext>
-            </a:extLst>
-          </p:cNvPr>
-          <p:cNvSpPr>
-            <a:spLocks noGrp="1"/>
-          </p:cNvSpPr>
-          <p:nvPr>
-            <p:ph type="title"/>
-          </p:nvPr>
-        </p:nvSpPr>
-        <p:spPr/>
-        <p:txBody>
-          <a:bodyPr/>
-          <a:lstStyle/>
-          <a:p>
-            <a:r>
-              <a:rPr kumimoji="1" lang="ja-JP" altLang="en-US" b="1" dirty="0"/>
-              <a:t>ゲームシステム</a:t>
-            </a:r>
-          </a:p>
-        </p:txBody>
-      </p:sp>
-      <p:pic>
-        <p:nvPicPr>
-          <p:cNvPr id="9" name="図 8">
-            <a:extLst>
-              <a:ext uri="{FF2B5EF4-FFF2-40B4-BE49-F238E27FC236}">
-                <a16:creationId xmlns:a16="http://schemas.microsoft.com/office/drawing/2014/main" id="{70E4721A-ADB3-497F-8BCB-D167513C4229}"/>
-              </a:ext>
-            </a:extLst>
-          </p:cNvPr>
-          <p:cNvPicPr>
-            <a:picLocks noChangeAspect="1"/>
-          </p:cNvPicPr>
-          <p:nvPr/>
-        </p:nvPicPr>
-        <p:blipFill>
-          <a:blip r:embed="rId2">
-            <a:extLst>
-              <a:ext uri="{28A0092B-C50C-407E-A947-70E740481C1C}">
-                <a14:useLocalDpi xmlns:a14="http://schemas.microsoft.com/office/drawing/2010/main" val="0"/>
-              </a:ext>
-            </a:extLst>
-          </a:blip>
-          <a:stretch>
-            <a:fillRect/>
-          </a:stretch>
-        </p:blipFill>
-        <p:spPr>
-          <a:xfrm>
-            <a:off x="8668603" y="2031346"/>
-            <a:ext cx="2034720" cy="3580153"/>
-          </a:xfrm>
-          <a:prstGeom prst="rect">
-            <a:avLst/>
-          </a:prstGeom>
-        </p:spPr>
-      </p:pic>
-      <p:pic>
-        <p:nvPicPr>
-          <p:cNvPr id="13" name="図 12">
-            <a:extLst>
-              <a:ext uri="{FF2B5EF4-FFF2-40B4-BE49-F238E27FC236}">
-                <a16:creationId xmlns:a16="http://schemas.microsoft.com/office/drawing/2014/main" id="{F6E0A654-42CC-4C9D-883C-C7852EC77149}"/>
-              </a:ext>
-            </a:extLst>
-          </p:cNvPr>
-          <p:cNvPicPr>
-            <a:picLocks noChangeAspect="1"/>
-          </p:cNvPicPr>
-          <p:nvPr/>
-        </p:nvPicPr>
-        <p:blipFill>
-          <a:blip r:embed="rId2">
-            <a:extLst>
-              <a:ext uri="{28A0092B-C50C-407E-A947-70E740481C1C}">
-                <a14:useLocalDpi xmlns:a14="http://schemas.microsoft.com/office/drawing/2010/main" val="0"/>
-              </a:ext>
-            </a:extLst>
-          </a:blip>
-          <a:stretch>
-            <a:fillRect/>
-          </a:stretch>
-        </p:blipFill>
-        <p:spPr>
-          <a:xfrm>
-            <a:off x="7651245" y="2756641"/>
-            <a:ext cx="2034720" cy="3580153"/>
-          </a:xfrm>
-          <a:prstGeom prst="rect">
-            <a:avLst/>
-          </a:prstGeom>
-        </p:spPr>
-      </p:pic>
-      <p:pic>
-        <p:nvPicPr>
-          <p:cNvPr id="15" name="図 14">
-            <a:extLst>
-              <a:ext uri="{FF2B5EF4-FFF2-40B4-BE49-F238E27FC236}">
-                <a16:creationId xmlns:a16="http://schemas.microsoft.com/office/drawing/2014/main" id="{56678DF2-8E81-43AC-A690-8E5B27760EB8}"/>
-              </a:ext>
-            </a:extLst>
-          </p:cNvPr>
-          <p:cNvPicPr>
-            <a:picLocks noChangeAspect="1"/>
-          </p:cNvPicPr>
-          <p:nvPr/>
-        </p:nvPicPr>
-        <p:blipFill>
-          <a:blip r:embed="rId2">
-            <a:extLst>
-              <a:ext uri="{28A0092B-C50C-407E-A947-70E740481C1C}">
-                <a14:useLocalDpi xmlns:a14="http://schemas.microsoft.com/office/drawing/2010/main" val="0"/>
-              </a:ext>
-            </a:extLst>
-          </a:blip>
-          <a:stretch>
-            <a:fillRect/>
-          </a:stretch>
-        </p:blipFill>
-        <p:spPr>
-          <a:xfrm flipH="1">
-            <a:off x="664394" y="1852053"/>
-            <a:ext cx="2034720" cy="3580153"/>
-          </a:xfrm>
-          <a:prstGeom prst="rect">
-            <a:avLst/>
-          </a:prstGeom>
-        </p:spPr>
-      </p:pic>
-      <p:pic>
-        <p:nvPicPr>
-          <p:cNvPr id="16" name="図 15">
-            <a:extLst>
-              <a:ext uri="{FF2B5EF4-FFF2-40B4-BE49-F238E27FC236}">
-                <a16:creationId xmlns:a16="http://schemas.microsoft.com/office/drawing/2014/main" id="{A58F06F7-9D63-4282-A2F7-794362CB4F85}"/>
-              </a:ext>
-            </a:extLst>
-          </p:cNvPr>
-          <p:cNvPicPr>
-            <a:picLocks noChangeAspect="1"/>
-          </p:cNvPicPr>
-          <p:nvPr/>
-        </p:nvPicPr>
-        <p:blipFill>
-          <a:blip r:embed="rId2">
-            <a:extLst>
-              <a:ext uri="{28A0092B-C50C-407E-A947-70E740481C1C}">
-                <a14:useLocalDpi xmlns:a14="http://schemas.microsoft.com/office/drawing/2010/main" val="0"/>
-              </a:ext>
-            </a:extLst>
-          </a:blip>
-          <a:stretch>
-            <a:fillRect/>
-          </a:stretch>
-        </p:blipFill>
-        <p:spPr>
-          <a:xfrm flipH="1">
-            <a:off x="1488677" y="2686176"/>
-            <a:ext cx="2034720" cy="3580153"/>
-          </a:xfrm>
-          <a:prstGeom prst="rect">
-            <a:avLst/>
-          </a:prstGeom>
-        </p:spPr>
-      </p:pic>
-      <p:pic>
-        <p:nvPicPr>
-          <p:cNvPr id="14" name="図 13">
-            <a:extLst>
-              <a:ext uri="{FF2B5EF4-FFF2-40B4-BE49-F238E27FC236}">
-                <a16:creationId xmlns:a16="http://schemas.microsoft.com/office/drawing/2014/main" id="{4F18BFBA-38D6-495D-9DF6-D4AADE87A1DF}"/>
-              </a:ext>
-            </a:extLst>
-          </p:cNvPr>
-          <p:cNvPicPr>
-            <a:picLocks noChangeAspect="1"/>
-          </p:cNvPicPr>
-          <p:nvPr/>
-        </p:nvPicPr>
-        <p:blipFill>
-          <a:blip r:embed="rId2">
-            <a:extLst>
-              <a:ext uri="{28A0092B-C50C-407E-A947-70E740481C1C}">
-                <a14:useLocalDpi xmlns:a14="http://schemas.microsoft.com/office/drawing/2010/main" val="0"/>
-              </a:ext>
-            </a:extLst>
-          </a:blip>
-          <a:stretch>
-            <a:fillRect/>
-          </a:stretch>
-        </p:blipFill>
-        <p:spPr>
-          <a:xfrm flipH="1">
-            <a:off x="-75060" y="3142123"/>
-            <a:ext cx="2034720" cy="3580153"/>
-          </a:xfrm>
-          <a:prstGeom prst="rect">
-            <a:avLst/>
-          </a:prstGeom>
-        </p:spPr>
-      </p:pic>
-      <p:pic>
-        <p:nvPicPr>
-          <p:cNvPr id="12" name="図 11">
-            <a:extLst>
-              <a:ext uri="{FF2B5EF4-FFF2-40B4-BE49-F238E27FC236}">
-                <a16:creationId xmlns:a16="http://schemas.microsoft.com/office/drawing/2014/main" id="{D392E99F-D540-40F2-B78D-3A1ECBFDCBAB}"/>
-              </a:ext>
-            </a:extLst>
-          </p:cNvPr>
-          <p:cNvPicPr>
-            <a:picLocks noChangeAspect="1"/>
-          </p:cNvPicPr>
-          <p:nvPr/>
-        </p:nvPicPr>
-        <p:blipFill>
-          <a:blip r:embed="rId2">
-            <a:extLst>
-              <a:ext uri="{28A0092B-C50C-407E-A947-70E740481C1C}">
-                <a14:useLocalDpi xmlns:a14="http://schemas.microsoft.com/office/drawing/2010/main" val="0"/>
-              </a:ext>
-            </a:extLst>
-          </a:blip>
-          <a:stretch>
-            <a:fillRect/>
-          </a:stretch>
-        </p:blipFill>
-        <p:spPr>
-          <a:xfrm>
-            <a:off x="9086132" y="3277847"/>
-            <a:ext cx="2034720" cy="3580153"/>
-          </a:xfrm>
-          <a:prstGeom prst="rect">
-            <a:avLst/>
-          </a:prstGeom>
-        </p:spPr>
-      </p:pic>
-      <p:sp>
-        <p:nvSpPr>
-          <p:cNvPr id="19" name="テキスト ボックス 18">
-            <a:extLst>
-              <a:ext uri="{FF2B5EF4-FFF2-40B4-BE49-F238E27FC236}">
-                <a16:creationId xmlns:a16="http://schemas.microsoft.com/office/drawing/2014/main" id="{9C62EB34-F935-4583-81D8-E9A7A119D413}"/>
-              </a:ext>
-            </a:extLst>
-          </p:cNvPr>
-          <p:cNvSpPr txBox="1"/>
-          <p:nvPr/>
-        </p:nvSpPr>
-        <p:spPr>
-          <a:xfrm>
-            <a:off x="3288786" y="1690688"/>
-            <a:ext cx="4805808" cy="707886"/>
-          </a:xfrm>
-          <a:prstGeom prst="rect">
-            <a:avLst/>
-          </a:prstGeom>
-          <a:noFill/>
-        </p:spPr>
-        <p:txBody>
-          <a:bodyPr wrap="square" rtlCol="0">
-            <a:spAutoFit/>
-          </a:bodyPr>
-          <a:lstStyle/>
-          <a:p>
-            <a:r>
-              <a:rPr lang="ja-JP" altLang="en-US" sz="4000" b="1" dirty="0"/>
-              <a:t>３対３のチーム戦</a:t>
-            </a:r>
-            <a:endParaRPr kumimoji="1" lang="ja-JP" altLang="en-US" sz="4000" b="1" dirty="0"/>
-          </a:p>
-        </p:txBody>
-      </p:sp>
-      <p:pic>
-        <p:nvPicPr>
-          <p:cNvPr id="26" name="図 25">
-            <a:extLst>
-              <a:ext uri="{FF2B5EF4-FFF2-40B4-BE49-F238E27FC236}">
-                <a16:creationId xmlns:a16="http://schemas.microsoft.com/office/drawing/2014/main" id="{12B09C23-7AC2-48EA-9902-012B01C0F065}"/>
-              </a:ext>
-            </a:extLst>
-          </p:cNvPr>
-          <p:cNvPicPr>
-            <a:picLocks noChangeAspect="1"/>
-          </p:cNvPicPr>
-          <p:nvPr/>
-        </p:nvPicPr>
-        <p:blipFill>
-          <a:blip r:embed="rId3">
-            <a:extLst>
-              <a:ext uri="{28A0092B-C50C-407E-A947-70E740481C1C}">
-                <a14:useLocalDpi xmlns:a14="http://schemas.microsoft.com/office/drawing/2010/main" val="0"/>
-              </a:ext>
-            </a:extLst>
-          </a:blip>
-          <a:stretch>
-            <a:fillRect/>
-          </a:stretch>
-        </p:blipFill>
-        <p:spPr>
-          <a:xfrm>
-            <a:off x="2524923" y="2295793"/>
-            <a:ext cx="748200" cy="921695"/>
-          </a:xfrm>
-          <a:prstGeom prst="rect">
-            <a:avLst/>
-          </a:prstGeom>
-        </p:spPr>
-      </p:pic>
-      <p:pic>
-        <p:nvPicPr>
-          <p:cNvPr id="27" name="図 26">
-            <a:extLst>
-              <a:ext uri="{FF2B5EF4-FFF2-40B4-BE49-F238E27FC236}">
-                <a16:creationId xmlns:a16="http://schemas.microsoft.com/office/drawing/2014/main" id="{2DFBD918-78A5-4EE9-A991-99970FB7A486}"/>
-              </a:ext>
-            </a:extLst>
-          </p:cNvPr>
-          <p:cNvPicPr>
-            <a:picLocks noChangeAspect="1"/>
-          </p:cNvPicPr>
-          <p:nvPr/>
-        </p:nvPicPr>
-        <p:blipFill>
-          <a:blip r:embed="rId3">
-            <a:extLst>
-              <a:ext uri="{28A0092B-C50C-407E-A947-70E740481C1C}">
-                <a14:useLocalDpi xmlns:a14="http://schemas.microsoft.com/office/drawing/2010/main" val="0"/>
-              </a:ext>
-            </a:extLst>
-          </a:blip>
-          <a:stretch>
-            <a:fillRect/>
-          </a:stretch>
-        </p:blipFill>
-        <p:spPr>
-          <a:xfrm>
-            <a:off x="5885687" y="3821422"/>
-            <a:ext cx="748200" cy="921695"/>
-          </a:xfrm>
-          <a:prstGeom prst="rect">
-            <a:avLst/>
-          </a:prstGeom>
-        </p:spPr>
-      </p:pic>
-      <p:pic>
-        <p:nvPicPr>
-          <p:cNvPr id="28" name="図 27">
-            <a:extLst>
-              <a:ext uri="{FF2B5EF4-FFF2-40B4-BE49-F238E27FC236}">
-                <a16:creationId xmlns:a16="http://schemas.microsoft.com/office/drawing/2014/main" id="{40939EA7-D1DE-405E-AF0B-983D1A6A723E}"/>
-              </a:ext>
-            </a:extLst>
-          </p:cNvPr>
-          <p:cNvPicPr>
-            <a:picLocks noChangeAspect="1"/>
-          </p:cNvPicPr>
-          <p:nvPr/>
-        </p:nvPicPr>
-        <p:blipFill>
-          <a:blip r:embed="rId3">
-            <a:extLst>
-              <a:ext uri="{28A0092B-C50C-407E-A947-70E740481C1C}">
-                <a14:useLocalDpi xmlns:a14="http://schemas.microsoft.com/office/drawing/2010/main" val="0"/>
-              </a:ext>
-            </a:extLst>
-          </a:blip>
-          <a:stretch>
-            <a:fillRect/>
-          </a:stretch>
-        </p:blipFill>
-        <p:spPr>
-          <a:xfrm>
-            <a:off x="5477242" y="2632862"/>
-            <a:ext cx="748200" cy="921695"/>
-          </a:xfrm>
-          <a:prstGeom prst="rect">
-            <a:avLst/>
-          </a:prstGeom>
-        </p:spPr>
-      </p:pic>
-      <p:pic>
-        <p:nvPicPr>
-          <p:cNvPr id="29" name="図 28">
-            <a:extLst>
-              <a:ext uri="{FF2B5EF4-FFF2-40B4-BE49-F238E27FC236}">
-                <a16:creationId xmlns:a16="http://schemas.microsoft.com/office/drawing/2014/main" id="{3257B25A-2A20-4291-8504-8995C0B4686F}"/>
-              </a:ext>
-            </a:extLst>
-          </p:cNvPr>
-          <p:cNvPicPr>
-            <a:picLocks noChangeAspect="1"/>
-          </p:cNvPicPr>
-          <p:nvPr/>
-        </p:nvPicPr>
-        <p:blipFill>
-          <a:blip r:embed="rId3">
-            <a:extLst>
-              <a:ext uri="{28A0092B-C50C-407E-A947-70E740481C1C}">
-                <a14:useLocalDpi xmlns:a14="http://schemas.microsoft.com/office/drawing/2010/main" val="0"/>
-              </a:ext>
-            </a:extLst>
-          </a:blip>
-          <a:stretch>
-            <a:fillRect/>
-          </a:stretch>
-        </p:blipFill>
-        <p:spPr>
-          <a:xfrm>
-            <a:off x="8044229" y="2451971"/>
-            <a:ext cx="748200" cy="921695"/>
-          </a:xfrm>
-          <a:prstGeom prst="rect">
-            <a:avLst/>
-          </a:prstGeom>
-        </p:spPr>
-      </p:pic>
-      <p:pic>
-        <p:nvPicPr>
-          <p:cNvPr id="30" name="図 29">
-            <a:extLst>
-              <a:ext uri="{FF2B5EF4-FFF2-40B4-BE49-F238E27FC236}">
-                <a16:creationId xmlns:a16="http://schemas.microsoft.com/office/drawing/2014/main" id="{15DF2C88-C2D1-4F77-B3C1-677AFCCCA3C0}"/>
-              </a:ext>
-            </a:extLst>
-          </p:cNvPr>
-          <p:cNvPicPr>
-            <a:picLocks noChangeAspect="1"/>
-          </p:cNvPicPr>
-          <p:nvPr/>
-        </p:nvPicPr>
-        <p:blipFill>
-          <a:blip r:embed="rId3">
-            <a:extLst>
-              <a:ext uri="{28A0092B-C50C-407E-A947-70E740481C1C}">
-                <a14:useLocalDpi xmlns:a14="http://schemas.microsoft.com/office/drawing/2010/main" val="0"/>
-              </a:ext>
-            </a:extLst>
-          </a:blip>
-          <a:stretch>
-            <a:fillRect/>
-          </a:stretch>
-        </p:blipFill>
-        <p:spPr>
-          <a:xfrm>
-            <a:off x="3378364" y="3554557"/>
-            <a:ext cx="748200" cy="921695"/>
-          </a:xfrm>
-          <a:prstGeom prst="rect">
-            <a:avLst/>
-          </a:prstGeom>
-        </p:spPr>
-      </p:pic>
-      <p:pic>
-        <p:nvPicPr>
-          <p:cNvPr id="31" name="図 30">
-            <a:extLst>
-              <a:ext uri="{FF2B5EF4-FFF2-40B4-BE49-F238E27FC236}">
-                <a16:creationId xmlns:a16="http://schemas.microsoft.com/office/drawing/2014/main" id="{1C3AB10D-6860-43FE-BBD4-24D5CBF348FF}"/>
-              </a:ext>
-            </a:extLst>
-          </p:cNvPr>
-          <p:cNvPicPr>
-            <a:picLocks noChangeAspect="1"/>
-          </p:cNvPicPr>
-          <p:nvPr/>
-        </p:nvPicPr>
-        <p:blipFill>
-          <a:blip r:embed="rId3">
-            <a:extLst>
-              <a:ext uri="{28A0092B-C50C-407E-A947-70E740481C1C}">
-                <a14:useLocalDpi xmlns:a14="http://schemas.microsoft.com/office/drawing/2010/main" val="0"/>
-              </a:ext>
-            </a:extLst>
-          </a:blip>
-          <a:stretch>
-            <a:fillRect/>
-          </a:stretch>
-        </p:blipFill>
-        <p:spPr>
-          <a:xfrm>
-            <a:off x="8466782" y="4146228"/>
-            <a:ext cx="748200" cy="921695"/>
-          </a:xfrm>
-          <a:prstGeom prst="rect">
-            <a:avLst/>
-          </a:prstGeom>
-        </p:spPr>
-      </p:pic>
-      <p:sp>
-        <p:nvSpPr>
-          <p:cNvPr id="34" name="テキスト ボックス 33">
-            <a:extLst>
-              <a:ext uri="{FF2B5EF4-FFF2-40B4-BE49-F238E27FC236}">
-                <a16:creationId xmlns:a16="http://schemas.microsoft.com/office/drawing/2014/main" id="{5CD0073D-7D45-4217-901A-EC85DB04DAAC}"/>
-              </a:ext>
-            </a:extLst>
-          </p:cNvPr>
-          <p:cNvSpPr txBox="1"/>
-          <p:nvPr/>
-        </p:nvSpPr>
-        <p:spPr>
-          <a:xfrm>
-            <a:off x="512898" y="3425765"/>
-            <a:ext cx="1006351" cy="276710"/>
-          </a:xfrm>
-          <a:prstGeom prst="rect">
-            <a:avLst/>
-          </a:prstGeom>
-          <a:noFill/>
-        </p:spPr>
-        <p:txBody>
-          <a:bodyPr wrap="square" rtlCol="0">
-            <a:spAutoFit/>
-          </a:bodyPr>
-          <a:lstStyle/>
-          <a:p>
-            <a:r>
-              <a:rPr lang="ja-JP" altLang="en-US" sz="1200" b="1" dirty="0">
-                <a:solidFill>
-                  <a:srgbClr val="FF0000"/>
-                </a:solidFill>
-                <a:latin typeface="Arial Black" panose="020B0A04020102020204" pitchFamily="34" charset="0"/>
-              </a:rPr>
-              <a:t>プレイヤー</a:t>
-            </a:r>
-            <a:endParaRPr kumimoji="1" lang="ja-JP" altLang="en-US" sz="1200" b="1" dirty="0">
-              <a:solidFill>
-                <a:srgbClr val="FF0000"/>
-              </a:solidFill>
-              <a:latin typeface="Arial Black" panose="020B0A04020102020204" pitchFamily="34" charset="0"/>
-            </a:endParaRPr>
-          </a:p>
-        </p:txBody>
-      </p:sp>
-      <p:sp>
-        <p:nvSpPr>
-          <p:cNvPr id="35" name="テキスト ボックス 34">
-            <a:extLst>
-              <a:ext uri="{FF2B5EF4-FFF2-40B4-BE49-F238E27FC236}">
-                <a16:creationId xmlns:a16="http://schemas.microsoft.com/office/drawing/2014/main" id="{E271513F-92E8-4144-914F-CBA4205A6D23}"/>
-              </a:ext>
-            </a:extLst>
-          </p:cNvPr>
-          <p:cNvSpPr txBox="1"/>
-          <p:nvPr/>
-        </p:nvSpPr>
-        <p:spPr>
-          <a:xfrm>
-            <a:off x="1475348" y="2141904"/>
-            <a:ext cx="588145" cy="307777"/>
-          </a:xfrm>
-          <a:prstGeom prst="rect">
-            <a:avLst/>
-          </a:prstGeom>
-          <a:noFill/>
-        </p:spPr>
-        <p:txBody>
-          <a:bodyPr wrap="square" rtlCol="0">
-            <a:spAutoFit/>
-          </a:bodyPr>
-          <a:lstStyle/>
-          <a:p>
-            <a:r>
-              <a:rPr lang="en-US" altLang="ja-JP" sz="1400" b="1" dirty="0"/>
-              <a:t>NPC</a:t>
-            </a:r>
-            <a:endParaRPr kumimoji="1" lang="ja-JP" altLang="en-US" sz="1400" b="1" dirty="0"/>
-          </a:p>
-        </p:txBody>
-      </p:sp>
-      <p:sp>
-        <p:nvSpPr>
-          <p:cNvPr id="41" name="テキスト ボックス 40">
-            <a:extLst>
-              <a:ext uri="{FF2B5EF4-FFF2-40B4-BE49-F238E27FC236}">
-                <a16:creationId xmlns:a16="http://schemas.microsoft.com/office/drawing/2014/main" id="{F12C24D7-EDD6-4792-AE45-A4B3DCA00ED3}"/>
-              </a:ext>
-            </a:extLst>
-          </p:cNvPr>
-          <p:cNvSpPr txBox="1"/>
-          <p:nvPr/>
-        </p:nvSpPr>
-        <p:spPr>
-          <a:xfrm>
-            <a:off x="2229038" y="2983796"/>
-            <a:ext cx="588145" cy="307777"/>
-          </a:xfrm>
-          <a:prstGeom prst="rect">
-            <a:avLst/>
-          </a:prstGeom>
-          <a:noFill/>
-        </p:spPr>
-        <p:txBody>
-          <a:bodyPr wrap="square" rtlCol="0">
-            <a:spAutoFit/>
-          </a:bodyPr>
-          <a:lstStyle/>
-          <a:p>
-            <a:r>
-              <a:rPr lang="en-US" altLang="ja-JP" sz="1400" b="1" dirty="0"/>
-              <a:t>NPC</a:t>
-            </a:r>
-            <a:endParaRPr kumimoji="1" lang="ja-JP" altLang="en-US" sz="1400" b="1" dirty="0"/>
-          </a:p>
-        </p:txBody>
-      </p:sp>
-      <p:sp>
-        <p:nvSpPr>
-          <p:cNvPr id="42" name="テキスト ボックス 41">
-            <a:extLst>
-              <a:ext uri="{FF2B5EF4-FFF2-40B4-BE49-F238E27FC236}">
-                <a16:creationId xmlns:a16="http://schemas.microsoft.com/office/drawing/2014/main" id="{882481FF-1DFA-49A4-BFE4-0575AC66700C}"/>
-              </a:ext>
-            </a:extLst>
-          </p:cNvPr>
-          <p:cNvSpPr txBox="1"/>
-          <p:nvPr/>
-        </p:nvSpPr>
-        <p:spPr>
-          <a:xfrm>
-            <a:off x="8376563" y="3081102"/>
-            <a:ext cx="588145" cy="307777"/>
-          </a:xfrm>
-          <a:prstGeom prst="rect">
-            <a:avLst/>
-          </a:prstGeom>
-          <a:noFill/>
-        </p:spPr>
-        <p:txBody>
-          <a:bodyPr wrap="square" rtlCol="0">
-            <a:spAutoFit/>
-          </a:bodyPr>
-          <a:lstStyle/>
-          <a:p>
-            <a:r>
-              <a:rPr lang="en-US" altLang="ja-JP" sz="1400" b="1" dirty="0"/>
-              <a:t>NPC</a:t>
-            </a:r>
-            <a:endParaRPr kumimoji="1" lang="ja-JP" altLang="en-US" sz="1400" b="1" dirty="0"/>
-          </a:p>
-        </p:txBody>
-      </p:sp>
-      <p:sp>
-        <p:nvSpPr>
-          <p:cNvPr id="43" name="テキスト ボックス 42">
-            <a:extLst>
-              <a:ext uri="{FF2B5EF4-FFF2-40B4-BE49-F238E27FC236}">
-                <a16:creationId xmlns:a16="http://schemas.microsoft.com/office/drawing/2014/main" id="{6741241D-EEAA-409D-B0E7-5187B8E0684F}"/>
-              </a:ext>
-            </a:extLst>
-          </p:cNvPr>
-          <p:cNvSpPr txBox="1"/>
-          <p:nvPr/>
-        </p:nvSpPr>
-        <p:spPr>
-          <a:xfrm>
-            <a:off x="9810592" y="3640860"/>
-            <a:ext cx="588145" cy="307777"/>
-          </a:xfrm>
-          <a:prstGeom prst="rect">
-            <a:avLst/>
-          </a:prstGeom>
-          <a:noFill/>
-        </p:spPr>
-        <p:txBody>
-          <a:bodyPr wrap="square" rtlCol="0">
-            <a:spAutoFit/>
-          </a:bodyPr>
-          <a:lstStyle/>
-          <a:p>
-            <a:r>
-              <a:rPr lang="en-US" altLang="ja-JP" sz="1400" b="1" dirty="0"/>
-              <a:t>NPC</a:t>
-            </a:r>
-            <a:endParaRPr kumimoji="1" lang="ja-JP" altLang="en-US" sz="1400" b="1" dirty="0"/>
-          </a:p>
-        </p:txBody>
-      </p:sp>
-      <p:sp>
-        <p:nvSpPr>
-          <p:cNvPr id="44" name="テキスト ボックス 43">
-            <a:extLst>
-              <a:ext uri="{FF2B5EF4-FFF2-40B4-BE49-F238E27FC236}">
-                <a16:creationId xmlns:a16="http://schemas.microsoft.com/office/drawing/2014/main" id="{4C3ECBAB-11AB-42FA-91D2-3BADB0CC8A8B}"/>
-              </a:ext>
-            </a:extLst>
-          </p:cNvPr>
-          <p:cNvSpPr txBox="1"/>
-          <p:nvPr/>
-        </p:nvSpPr>
-        <p:spPr>
-          <a:xfrm>
-            <a:off x="9391890" y="2330379"/>
-            <a:ext cx="588145" cy="307777"/>
-          </a:xfrm>
-          <a:prstGeom prst="rect">
-            <a:avLst/>
-          </a:prstGeom>
-          <a:noFill/>
-        </p:spPr>
-        <p:txBody>
-          <a:bodyPr wrap="square" rtlCol="0">
-            <a:spAutoFit/>
-          </a:bodyPr>
-          <a:lstStyle/>
-          <a:p>
-            <a:r>
-              <a:rPr lang="en-US" altLang="ja-JP" sz="1400" b="1" dirty="0"/>
-              <a:t>NPC</a:t>
-            </a:r>
-            <a:endParaRPr kumimoji="1" lang="ja-JP" altLang="en-US" sz="1400" b="1" dirty="0"/>
-          </a:p>
-        </p:txBody>
-      </p:sp>
-    </p:spTree>
-    <p:extLst>
-      <p:ext uri="{BB962C8B-B14F-4D97-AF65-F5344CB8AC3E}">
-        <p14:creationId xmlns:p14="http://schemas.microsoft.com/office/powerpoint/2010/main" val="2446578902"/>
-      </p:ext>
-    </p:extLst>
-  </p:cSld>
-  <p:clrMapOvr>
-    <a:masterClrMapping/>
-  </p:clrMapOvr>
-</p:sld>
-</file>
-
-<file path=ppt/slides/slide6.xml><?xml version="1.0" encoding="utf-8"?>
-<p:sld xmlns:a="http://schemas.openxmlformats.org/drawingml/2006/main" xmlns:r="http://schemas.openxmlformats.org/officeDocument/2006/relationships" xmlns:p="http://schemas.openxmlformats.org/presentationml/2006/main">
-  <p:cSld>
-    <p:spTree>
-      <p:nvGrpSpPr>
-        <p:cNvPr id="1" name=""/>
-        <p:cNvGrpSpPr/>
-        <p:nvPr/>
-      </p:nvGrpSpPr>
-      <p:grpSpPr>
-        <a:xfrm>
-          <a:off x="0" y="0"/>
-          <a:ext cx="0" cy="0"/>
-          <a:chOff x="0" y="0"/>
-          <a:chExt cx="0" cy="0"/>
-        </a:xfrm>
-      </p:grpSpPr>
-      <p:sp>
-        <p:nvSpPr>
-          <p:cNvPr id="2" name="タイトル 1">
-            <a:extLst>
-              <a:ext uri="{FF2B5EF4-FFF2-40B4-BE49-F238E27FC236}">
-                <a16:creationId xmlns:a16="http://schemas.microsoft.com/office/drawing/2014/main" id="{355875D1-4282-4D70-9FBE-69199173C734}"/>
-              </a:ext>
-            </a:extLst>
-          </p:cNvPr>
-          <p:cNvSpPr>
-            <a:spLocks noGrp="1"/>
-          </p:cNvSpPr>
-          <p:nvPr>
-            <p:ph type="title"/>
-          </p:nvPr>
-        </p:nvSpPr>
-        <p:spPr/>
-        <p:txBody>
-          <a:bodyPr/>
-          <a:lstStyle/>
-          <a:p>
-            <a:r>
-              <a:rPr kumimoji="1" lang="ja-JP" altLang="en-US" b="1" dirty="0"/>
-              <a:t>ゲームシステム</a:t>
-            </a:r>
-          </a:p>
-        </p:txBody>
-      </p:sp>
-      <p:pic>
-        <p:nvPicPr>
-          <p:cNvPr id="9" name="図 8">
-            <a:extLst>
-              <a:ext uri="{FF2B5EF4-FFF2-40B4-BE49-F238E27FC236}">
-                <a16:creationId xmlns:a16="http://schemas.microsoft.com/office/drawing/2014/main" id="{525ABBE3-DC00-4511-A326-DAC268D4FDA0}"/>
-              </a:ext>
-            </a:extLst>
-          </p:cNvPr>
-          <p:cNvPicPr>
-            <a:picLocks noChangeAspect="1"/>
-          </p:cNvPicPr>
-          <p:nvPr/>
-        </p:nvPicPr>
-        <p:blipFill>
-          <a:blip r:embed="rId2">
-            <a:extLst>
-              <a:ext uri="{28A0092B-C50C-407E-A947-70E740481C1C}">
-                <a14:useLocalDpi xmlns:a14="http://schemas.microsoft.com/office/drawing/2010/main" val="0"/>
-              </a:ext>
-            </a:extLst>
-          </a:blip>
-          <a:stretch>
-            <a:fillRect/>
-          </a:stretch>
-        </p:blipFill>
-        <p:spPr>
-          <a:xfrm>
-            <a:off x="1976719" y="2482968"/>
-            <a:ext cx="2539682" cy="1892063"/>
-          </a:xfrm>
-          <a:prstGeom prst="rect">
-            <a:avLst/>
-          </a:prstGeom>
-        </p:spPr>
-      </p:pic>
-      <p:pic>
-        <p:nvPicPr>
-          <p:cNvPr id="11" name="図 10">
-            <a:extLst>
-              <a:ext uri="{FF2B5EF4-FFF2-40B4-BE49-F238E27FC236}">
-                <a16:creationId xmlns:a16="http://schemas.microsoft.com/office/drawing/2014/main" id="{6325B800-A526-4ABA-BB40-4BE0B9CBBC2A}"/>
-              </a:ext>
-            </a:extLst>
-          </p:cNvPr>
-          <p:cNvPicPr>
-            <a:picLocks noChangeAspect="1"/>
-          </p:cNvPicPr>
-          <p:nvPr/>
-        </p:nvPicPr>
-        <p:blipFill>
-          <a:blip r:embed="rId2">
-            <a:extLst>
-              <a:ext uri="{28A0092B-C50C-407E-A947-70E740481C1C}">
-                <a14:useLocalDpi xmlns:a14="http://schemas.microsoft.com/office/drawing/2010/main" val="0"/>
-              </a:ext>
-            </a:extLst>
-          </a:blip>
-          <a:stretch>
-            <a:fillRect/>
-          </a:stretch>
-        </p:blipFill>
-        <p:spPr>
-          <a:xfrm>
-            <a:off x="838200" y="3635189"/>
-            <a:ext cx="2539682" cy="1892063"/>
-          </a:xfrm>
-          <a:prstGeom prst="rect">
-            <a:avLst/>
-          </a:prstGeom>
-        </p:spPr>
-      </p:pic>
-      <p:pic>
-        <p:nvPicPr>
-          <p:cNvPr id="12" name="図 11">
-            <a:extLst>
-              <a:ext uri="{FF2B5EF4-FFF2-40B4-BE49-F238E27FC236}">
-                <a16:creationId xmlns:a16="http://schemas.microsoft.com/office/drawing/2014/main" id="{EFE162BF-564D-4F99-AB1F-8970D4391E74}"/>
-              </a:ext>
-            </a:extLst>
-          </p:cNvPr>
-          <p:cNvPicPr>
-            <a:picLocks noChangeAspect="1"/>
-          </p:cNvPicPr>
-          <p:nvPr/>
-        </p:nvPicPr>
-        <p:blipFill>
-          <a:blip r:embed="rId2">
-            <a:extLst>
-              <a:ext uri="{28A0092B-C50C-407E-A947-70E740481C1C}">
-                <a14:useLocalDpi xmlns:a14="http://schemas.microsoft.com/office/drawing/2010/main" val="0"/>
-              </a:ext>
-            </a:extLst>
-          </a:blip>
-          <a:stretch>
-            <a:fillRect/>
-          </a:stretch>
-        </p:blipFill>
-        <p:spPr>
-          <a:xfrm>
-            <a:off x="2451849" y="3635189"/>
-            <a:ext cx="2539682" cy="1892063"/>
-          </a:xfrm>
-          <a:prstGeom prst="rect">
-            <a:avLst/>
-          </a:prstGeom>
-        </p:spPr>
-      </p:pic>
-      <p:pic>
-        <p:nvPicPr>
-          <p:cNvPr id="16" name="図 15">
-            <a:extLst>
-              <a:ext uri="{FF2B5EF4-FFF2-40B4-BE49-F238E27FC236}">
-                <a16:creationId xmlns:a16="http://schemas.microsoft.com/office/drawing/2014/main" id="{CB5FEF2D-A159-4A01-9E68-D4D11222462E}"/>
-              </a:ext>
-            </a:extLst>
-          </p:cNvPr>
-          <p:cNvPicPr>
-            <a:picLocks noChangeAspect="1"/>
-          </p:cNvPicPr>
-          <p:nvPr/>
-        </p:nvPicPr>
-        <p:blipFill>
-          <a:blip r:embed="rId3">
-            <a:extLst>
-              <a:ext uri="{28A0092B-C50C-407E-A947-70E740481C1C}">
-                <a14:useLocalDpi xmlns:a14="http://schemas.microsoft.com/office/drawing/2010/main" val="0"/>
-              </a:ext>
-            </a:extLst>
-          </a:blip>
-          <a:stretch>
-            <a:fillRect/>
-          </a:stretch>
-        </p:blipFill>
-        <p:spPr>
-          <a:xfrm>
-            <a:off x="5466661" y="2037312"/>
-            <a:ext cx="2657206" cy="4675437"/>
-          </a:xfrm>
-          <a:prstGeom prst="rect">
-            <a:avLst/>
-          </a:prstGeom>
-        </p:spPr>
-      </p:pic>
-      <p:pic>
-        <p:nvPicPr>
-          <p:cNvPr id="14" name="図 13">
-            <a:extLst>
-              <a:ext uri="{FF2B5EF4-FFF2-40B4-BE49-F238E27FC236}">
-                <a16:creationId xmlns:a16="http://schemas.microsoft.com/office/drawing/2014/main" id="{BAED67E5-D24A-41E3-BE5F-E60AD1D6610C}"/>
-              </a:ext>
-            </a:extLst>
-          </p:cNvPr>
-          <p:cNvPicPr>
-            <a:picLocks noChangeAspect="1"/>
-          </p:cNvPicPr>
-          <p:nvPr/>
-        </p:nvPicPr>
-        <p:blipFill>
-          <a:blip r:embed="rId4">
-            <a:extLst>
-              <a:ext uri="{28A0092B-C50C-407E-A947-70E740481C1C}">
-                <a14:useLocalDpi xmlns:a14="http://schemas.microsoft.com/office/drawing/2010/main" val="0"/>
-              </a:ext>
-            </a:extLst>
-          </a:blip>
-          <a:stretch>
-            <a:fillRect/>
-          </a:stretch>
-        </p:blipFill>
-        <p:spPr>
-          <a:xfrm rot="782262">
-            <a:off x="7280006" y="3001738"/>
-            <a:ext cx="1963692" cy="1994800"/>
-          </a:xfrm>
-          <a:prstGeom prst="rect">
-            <a:avLst/>
-          </a:prstGeom>
-        </p:spPr>
-      </p:pic>
-      <p:sp>
-        <p:nvSpPr>
-          <p:cNvPr id="17" name="テキスト ボックス 16">
-            <a:extLst>
-              <a:ext uri="{FF2B5EF4-FFF2-40B4-BE49-F238E27FC236}">
-                <a16:creationId xmlns:a16="http://schemas.microsoft.com/office/drawing/2014/main" id="{39312285-33DA-4AC8-900E-42E182FA2CC9}"/>
-              </a:ext>
-            </a:extLst>
-          </p:cNvPr>
-          <p:cNvSpPr txBox="1"/>
-          <p:nvPr/>
-        </p:nvSpPr>
-        <p:spPr>
-          <a:xfrm>
-            <a:off x="2613718" y="1564054"/>
-            <a:ext cx="7109012" cy="830997"/>
-          </a:xfrm>
-          <a:prstGeom prst="rect">
-            <a:avLst/>
-          </a:prstGeom>
-          <a:noFill/>
-        </p:spPr>
-        <p:txBody>
-          <a:bodyPr wrap="square" rtlCol="0">
-            <a:spAutoFit/>
-          </a:bodyPr>
-          <a:lstStyle/>
-          <a:p>
-            <a:r>
-              <a:rPr lang="ja-JP" altLang="en-US" sz="2400" b="1" dirty="0">
-                <a:solidFill>
-                  <a:srgbClr val="FF0000"/>
-                </a:solidFill>
-              </a:rPr>
-              <a:t>味方が全員敵の攻撃に当たる</a:t>
-            </a:r>
-            <a:r>
-              <a:rPr lang="ja-JP" altLang="en-US" sz="2400" b="1" dirty="0"/>
-              <a:t>か</a:t>
-            </a:r>
-            <a:endParaRPr lang="en-US" altLang="ja-JP" sz="2400" b="1" dirty="0"/>
-          </a:p>
-          <a:p>
-            <a:r>
-              <a:rPr lang="ja-JP" altLang="en-US" sz="2400" b="1" dirty="0">
-                <a:solidFill>
-                  <a:srgbClr val="FF0000"/>
-                </a:solidFill>
-              </a:rPr>
-              <a:t>自陣のフラッグを取られたら</a:t>
-            </a:r>
-            <a:r>
-              <a:rPr lang="ja-JP" altLang="en-US" sz="2400" b="1" dirty="0"/>
-              <a:t>ゲームオーバー</a:t>
-            </a:r>
-            <a:endParaRPr kumimoji="1" lang="ja-JP" altLang="en-US" sz="2400" b="1" dirty="0"/>
-          </a:p>
-        </p:txBody>
-      </p:sp>
-      <p:sp>
-        <p:nvSpPr>
-          <p:cNvPr id="19" name="吹き出し: 円形 18">
-            <a:extLst>
-              <a:ext uri="{FF2B5EF4-FFF2-40B4-BE49-F238E27FC236}">
-                <a16:creationId xmlns:a16="http://schemas.microsoft.com/office/drawing/2014/main" id="{6D8C8DEB-1B9F-41DC-B60C-114C369F0F6C}"/>
-              </a:ext>
-            </a:extLst>
-          </p:cNvPr>
-          <p:cNvSpPr/>
-          <p:nvPr/>
-        </p:nvSpPr>
-        <p:spPr>
-          <a:xfrm>
-            <a:off x="8784458" y="2131782"/>
-            <a:ext cx="2474259" cy="1044389"/>
-          </a:xfrm>
-          <a:prstGeom prst="wedgeEllipseCallout">
-            <a:avLst>
-              <a:gd name="adj1" fmla="val -70833"/>
-              <a:gd name="adj2" fmla="val 49624"/>
-            </a:avLst>
-          </a:prstGeom>
-        </p:spPr>
-        <p:style>
-          <a:lnRef idx="2">
-            <a:schemeClr val="dk1"/>
-          </a:lnRef>
-          <a:fillRef idx="1">
-            <a:schemeClr val="lt1"/>
-          </a:fillRef>
-          <a:effectRef idx="0">
-            <a:schemeClr val="dk1"/>
-          </a:effectRef>
-          <a:fontRef idx="minor">
-            <a:schemeClr val="dk1"/>
-          </a:fontRef>
-        </p:style>
-        <p:txBody>
-          <a:bodyPr rtlCol="0" anchor="ctr"/>
-          <a:lstStyle/>
-          <a:p>
-            <a:pPr algn="ctr"/>
-            <a:endParaRPr kumimoji="1" lang="ja-JP" altLang="en-US"/>
-          </a:p>
-        </p:txBody>
-      </p:sp>
-      <p:sp>
-        <p:nvSpPr>
-          <p:cNvPr id="20" name="テキスト ボックス 19">
-            <a:extLst>
-              <a:ext uri="{FF2B5EF4-FFF2-40B4-BE49-F238E27FC236}">
-                <a16:creationId xmlns:a16="http://schemas.microsoft.com/office/drawing/2014/main" id="{AA2117BF-C70B-4C13-B151-710A8DDF355B}"/>
-              </a:ext>
-            </a:extLst>
-          </p:cNvPr>
-          <p:cNvSpPr txBox="1"/>
-          <p:nvPr/>
-        </p:nvSpPr>
-        <p:spPr>
-          <a:xfrm>
-            <a:off x="8895633" y="2307234"/>
-            <a:ext cx="2363084" cy="707886"/>
-          </a:xfrm>
-          <a:prstGeom prst="rect">
-            <a:avLst/>
-          </a:prstGeom>
-          <a:noFill/>
-        </p:spPr>
-        <p:txBody>
-          <a:bodyPr wrap="square" rtlCol="0">
-            <a:spAutoFit/>
-          </a:bodyPr>
-          <a:lstStyle/>
-          <a:p>
-            <a:r>
-              <a:rPr kumimoji="1" lang="ja-JP" altLang="en-US" sz="4000"/>
-              <a:t>やった！</a:t>
-            </a:r>
-            <a:endParaRPr kumimoji="1" lang="ja-JP" altLang="en-US" sz="4000" dirty="0"/>
-          </a:p>
-        </p:txBody>
-      </p:sp>
-    </p:spTree>
-    <p:extLst>
-      <p:ext uri="{BB962C8B-B14F-4D97-AF65-F5344CB8AC3E}">
-        <p14:creationId xmlns:p14="http://schemas.microsoft.com/office/powerpoint/2010/main" val="1042251639"/>
       </p:ext>
     </p:extLst>
   </p:cSld>
